--- a/Report/VA project slides.pptx
+++ b/Report/VA project slides.pptx
@@ -269,7 +269,7 @@
           <a:p>
             <a:fld id="{325CF659-D65B-44A9-9D32-15573A6A05EB}" type="datetimeFigureOut">
               <a:rPr lang="it-IT" smtClean="0"/>
-              <a:t>05/07/2020</a:t>
+              <a:t>06/07/2020</a:t>
             </a:fld>
             <a:endParaRPr lang="it-IT"/>
           </a:p>
@@ -469,7 +469,7 @@
           <a:p>
             <a:fld id="{325CF659-D65B-44A9-9D32-15573A6A05EB}" type="datetimeFigureOut">
               <a:rPr lang="it-IT" smtClean="0"/>
-              <a:t>05/07/2020</a:t>
+              <a:t>06/07/2020</a:t>
             </a:fld>
             <a:endParaRPr lang="it-IT"/>
           </a:p>
@@ -679,7 +679,7 @@
           <a:p>
             <a:fld id="{325CF659-D65B-44A9-9D32-15573A6A05EB}" type="datetimeFigureOut">
               <a:rPr lang="it-IT" smtClean="0"/>
-              <a:t>05/07/2020</a:t>
+              <a:t>06/07/2020</a:t>
             </a:fld>
             <a:endParaRPr lang="it-IT"/>
           </a:p>
@@ -879,7 +879,7 @@
           <a:p>
             <a:fld id="{325CF659-D65B-44A9-9D32-15573A6A05EB}" type="datetimeFigureOut">
               <a:rPr lang="it-IT" smtClean="0"/>
-              <a:t>05/07/2020</a:t>
+              <a:t>06/07/2020</a:t>
             </a:fld>
             <a:endParaRPr lang="it-IT"/>
           </a:p>
@@ -1155,7 +1155,7 @@
           <a:p>
             <a:fld id="{325CF659-D65B-44A9-9D32-15573A6A05EB}" type="datetimeFigureOut">
               <a:rPr lang="it-IT" smtClean="0"/>
-              <a:t>05/07/2020</a:t>
+              <a:t>06/07/2020</a:t>
             </a:fld>
             <a:endParaRPr lang="it-IT"/>
           </a:p>
@@ -1423,7 +1423,7 @@
           <a:p>
             <a:fld id="{325CF659-D65B-44A9-9D32-15573A6A05EB}" type="datetimeFigureOut">
               <a:rPr lang="it-IT" smtClean="0"/>
-              <a:t>05/07/2020</a:t>
+              <a:t>06/07/2020</a:t>
             </a:fld>
             <a:endParaRPr lang="it-IT"/>
           </a:p>
@@ -1838,7 +1838,7 @@
           <a:p>
             <a:fld id="{325CF659-D65B-44A9-9D32-15573A6A05EB}" type="datetimeFigureOut">
               <a:rPr lang="it-IT" smtClean="0"/>
-              <a:t>05/07/2020</a:t>
+              <a:t>06/07/2020</a:t>
             </a:fld>
             <a:endParaRPr lang="it-IT"/>
           </a:p>
@@ -1980,7 +1980,7 @@
           <a:p>
             <a:fld id="{325CF659-D65B-44A9-9D32-15573A6A05EB}" type="datetimeFigureOut">
               <a:rPr lang="it-IT" smtClean="0"/>
-              <a:t>05/07/2020</a:t>
+              <a:t>06/07/2020</a:t>
             </a:fld>
             <a:endParaRPr lang="it-IT"/>
           </a:p>
@@ -2093,7 +2093,7 @@
           <a:p>
             <a:fld id="{325CF659-D65B-44A9-9D32-15573A6A05EB}" type="datetimeFigureOut">
               <a:rPr lang="it-IT" smtClean="0"/>
-              <a:t>05/07/2020</a:t>
+              <a:t>06/07/2020</a:t>
             </a:fld>
             <a:endParaRPr lang="it-IT"/>
           </a:p>
@@ -2406,7 +2406,7 @@
           <a:p>
             <a:fld id="{325CF659-D65B-44A9-9D32-15573A6A05EB}" type="datetimeFigureOut">
               <a:rPr lang="it-IT" smtClean="0"/>
-              <a:t>05/07/2020</a:t>
+              <a:t>06/07/2020</a:t>
             </a:fld>
             <a:endParaRPr lang="it-IT"/>
           </a:p>
@@ -2695,7 +2695,7 @@
           <a:p>
             <a:fld id="{325CF659-D65B-44A9-9D32-15573A6A05EB}" type="datetimeFigureOut">
               <a:rPr lang="it-IT" smtClean="0"/>
-              <a:t>05/07/2020</a:t>
+              <a:t>06/07/2020</a:t>
             </a:fld>
             <a:endParaRPr lang="it-IT"/>
           </a:p>
@@ -2938,7 +2938,7 @@
           <a:p>
             <a:fld id="{325CF659-D65B-44A9-9D32-15573A6A05EB}" type="datetimeFigureOut">
               <a:rPr lang="it-IT" smtClean="0"/>
-              <a:t>05/07/2020</a:t>
+              <a:t>06/07/2020</a:t>
             </a:fld>
             <a:endParaRPr lang="it-IT"/>
           </a:p>
@@ -3363,12 +3363,12 @@
           <a:chExt cx="0" cy="0"/>
         </a:xfrm>
       </p:grpSpPr>
-      <p:sp>
-        <p:nvSpPr>
-          <p:cNvPr id="7" name="Rectangle 6">
-            <a:extLst>
-              <a:ext uri="{FF2B5EF4-FFF2-40B4-BE49-F238E27FC236}">
-                <a16:creationId xmlns:a16="http://schemas.microsoft.com/office/drawing/2014/main" id="{88294908-8B00-4F58-BBBA-20F71A40AA9E}"/>
+      <p:sp useBgFill="1">
+        <p:nvSpPr>
+          <p:cNvPr id="32" name="Rectangle 31">
+            <a:extLst>
+              <a:ext uri="{FF2B5EF4-FFF2-40B4-BE49-F238E27FC236}">
+                <a16:creationId xmlns:a16="http://schemas.microsoft.com/office/drawing/2014/main" id="{9095C1F4-AE7F-44E4-8693-40D3D6831140}"/>
               </a:ext>
               <a:ext uri="{C183D7F6-B498-43B3-948B-1728B52AA6E4}">
                 <adec:decorative xmlns:adec="http://schemas.microsoft.com/office/drawing/2017/decorative" val="1"/>
@@ -3389,14 +3389,11 @@
         <p:spPr>
           <a:xfrm>
             <a:off x="0" y="0"/>
-            <a:ext cx="12192000" cy="6858000"/>
+            <a:ext cx="12191999" cy="6857365"/>
           </a:xfrm>
           <a:prstGeom prst="rect">
             <a:avLst/>
           </a:prstGeom>
-          <a:solidFill>
-            <a:schemeClr val="bg2"/>
-          </a:solidFill>
           <a:ln>
             <a:noFill/>
           </a:ln>
@@ -3422,25 +3419,25 @@
           <a:lstStyle/>
           <a:p>
             <a:pPr algn="ctr"/>
-            <a:endParaRPr lang="en-US" dirty="0"/>
-          </a:p>
-        </p:txBody>
-      </p:sp>
-      <p:sp>
-        <p:nvSpPr>
-          <p:cNvPr id="9" name="Freeform: Shape 8">
-            <a:extLst>
-              <a:ext uri="{FF2B5EF4-FFF2-40B4-BE49-F238E27FC236}">
-                <a16:creationId xmlns:a16="http://schemas.microsoft.com/office/drawing/2014/main" id="{4364C879-1404-4203-8E9D-CC5DE0A621A2}"/>
+            <a:endParaRPr lang="en-US"/>
+          </a:p>
+        </p:txBody>
+      </p:sp>
+      <p:grpSp>
+        <p:nvGrpSpPr>
+          <p:cNvPr id="34" name="Group 33">
+            <a:extLst>
+              <a:ext uri="{FF2B5EF4-FFF2-40B4-BE49-F238E27FC236}">
+                <a16:creationId xmlns:a16="http://schemas.microsoft.com/office/drawing/2014/main" id="{8734DDD3-F723-4DD3-8ABE-EC0B2AC87D74}"/>
               </a:ext>
               <a:ext uri="{C183D7F6-B498-43B3-948B-1728B52AA6E4}">
                 <adec:decorative xmlns:adec="http://schemas.microsoft.com/office/drawing/2017/decorative" val="1"/>
               </a:ext>
             </a:extLst>
           </p:cNvPr>
-          <p:cNvSpPr>
-            <a:spLocks noGrp="1" noRot="1" noChangeAspect="1" noMove="1" noResize="1" noEditPoints="1" noAdjustHandles="1" noChangeArrowheads="1" noChangeShapeType="1" noTextEdit="1"/>
-          </p:cNvSpPr>
+          <p:cNvGrpSpPr>
+            <a:grpSpLocks noGrp="1" noUngrp="1" noRot="1" noChangeAspect="1" noMove="1" noResize="1"/>
+          </p:cNvGrpSpPr>
           <p:nvPr>
             <p:extLst>
               <p:ext uri="{386F3935-93C4-4BCD-93E2-E3B085C9AB24}">
@@ -3448,66 +3445,173 @@
               </p:ext>
             </p:extLst>
           </p:nvPr>
+        </p:nvGrpSpPr>
+        <p:grpSpPr>
+          <a:xfrm>
+            <a:off x="2522324" y="-15978"/>
+            <a:ext cx="7147352" cy="5876916"/>
+            <a:chOff x="329184" y="-99107"/>
+            <a:chExt cx="524256" cy="5876916"/>
+          </a:xfrm>
+        </p:grpSpPr>
+        <p:cxnSp>
+          <p:nvCxnSpPr>
+            <p:cNvPr id="35" name="Straight Connector 34">
+              <a:extLst>
+                <a:ext uri="{FF2B5EF4-FFF2-40B4-BE49-F238E27FC236}">
+                  <a16:creationId xmlns:a16="http://schemas.microsoft.com/office/drawing/2014/main" id="{F7C8EA93-3210-4C62-99E9-153C275E3A87}"/>
+                </a:ext>
+                <a:ext uri="{C183D7F6-B498-43B3-948B-1728B52AA6E4}">
+                  <adec:decorative xmlns:adec="http://schemas.microsoft.com/office/drawing/2017/decorative" val="1"/>
+                </a:ext>
+              </a:extLst>
+            </p:cNvPr>
+            <p:cNvCxnSpPr>
+              <a:cxnSpLocks/>
+            </p:cNvCxnSpPr>
+            <p:nvPr>
+              <p:extLst>
+                <p:ext uri="{386F3935-93C4-4BCD-93E2-E3B085C9AB24}">
+                  <p16:designElem xmlns:p16="http://schemas.microsoft.com/office/powerpoint/2015/main" val="1"/>
+                </p:ext>
+              </p:extLst>
+            </p:nvPr>
+          </p:nvCxnSpPr>
+          <p:spPr>
+            <a:xfrm flipH="1">
+              <a:off x="329184" y="5777809"/>
+              <a:ext cx="523824" cy="0"/>
+            </a:xfrm>
+            <a:prstGeom prst="line">
+              <a:avLst/>
+            </a:prstGeom>
+            <a:ln w="152400">
+              <a:solidFill>
+                <a:schemeClr val="accent4"/>
+              </a:solidFill>
+            </a:ln>
+          </p:spPr>
+          <p:style>
+            <a:lnRef idx="1">
+              <a:schemeClr val="accent1"/>
+            </a:lnRef>
+            <a:fillRef idx="0">
+              <a:schemeClr val="accent1"/>
+            </a:fillRef>
+            <a:effectRef idx="0">
+              <a:schemeClr val="accent1"/>
+            </a:effectRef>
+            <a:fontRef idx="minor">
+              <a:schemeClr val="tx1"/>
+            </a:fontRef>
+          </p:style>
+        </p:cxnSp>
+        <p:sp>
+          <p:nvSpPr>
+            <p:cNvPr id="36" name="Rectangle 35">
+              <a:extLst>
+                <a:ext uri="{FF2B5EF4-FFF2-40B4-BE49-F238E27FC236}">
+                  <a16:creationId xmlns:a16="http://schemas.microsoft.com/office/drawing/2014/main" id="{5EB7D2A2-F448-44D4-938C-DC84CBCB3B1E}"/>
+                </a:ext>
+                <a:ext uri="{C183D7F6-B498-43B3-948B-1728B52AA6E4}">
+                  <adec:decorative xmlns:adec="http://schemas.microsoft.com/office/drawing/2017/decorative" val="1"/>
+                </a:ext>
+              </a:extLst>
+            </p:cNvPr>
+            <p:cNvSpPr/>
+            <p:nvPr>
+              <p:extLst>
+                <p:ext uri="{386F3935-93C4-4BCD-93E2-E3B085C9AB24}">
+                  <p16:designElem xmlns:p16="http://schemas.microsoft.com/office/powerpoint/2015/main" val="1"/>
+                </p:ext>
+              </p:extLst>
+            </p:nvPr>
+          </p:nvSpPr>
+          <p:spPr>
+            <a:xfrm>
+              <a:off x="329184" y="-99107"/>
+              <a:ext cx="524256" cy="5631228"/>
+            </a:xfrm>
+            <a:prstGeom prst="rect">
+              <a:avLst/>
+            </a:prstGeom>
+            <a:solidFill>
+              <a:schemeClr val="accent4"/>
+            </a:solidFill>
+            <a:ln>
+              <a:noFill/>
+            </a:ln>
+          </p:spPr>
+          <p:style>
+            <a:lnRef idx="2">
+              <a:schemeClr val="accent1">
+                <a:shade val="50000"/>
+              </a:schemeClr>
+            </a:lnRef>
+            <a:fillRef idx="1">
+              <a:schemeClr val="accent1"/>
+            </a:fillRef>
+            <a:effectRef idx="0">
+              <a:schemeClr val="accent1"/>
+            </a:effectRef>
+            <a:fontRef idx="minor">
+              <a:schemeClr val="lt1"/>
+            </a:fontRef>
+          </p:style>
+          <p:txBody>
+            <a:bodyPr rtlCol="0" anchor="ctr"/>
+            <a:lstStyle/>
+            <a:p>
+              <a:pPr algn="ctr"/>
+              <a:endParaRPr lang="en-US" dirty="0"/>
+            </a:p>
+          </p:txBody>
+        </p:sp>
+      </p:grpSp>
+      <p:sp>
+        <p:nvSpPr>
+          <p:cNvPr id="38" name="Rectangle 37">
+            <a:extLst>
+              <a:ext uri="{FF2B5EF4-FFF2-40B4-BE49-F238E27FC236}">
+                <a16:creationId xmlns:a16="http://schemas.microsoft.com/office/drawing/2014/main" id="{871AEA07-1E14-44B4-8E55-64EF049CD66F}"/>
+              </a:ext>
+              <a:ext uri="{C183D7F6-B498-43B3-948B-1728B52AA6E4}">
+                <adec:decorative xmlns:adec="http://schemas.microsoft.com/office/drawing/2017/decorative" val="1"/>
+              </a:ext>
+            </a:extLst>
+          </p:cNvPr>
+          <p:cNvSpPr>
+            <a:spLocks noGrp="1" noRot="1" noChangeAspect="1" noMove="1" noResize="1" noEditPoints="1" noAdjustHandles="1" noChangeArrowheads="1" noChangeShapeType="1" noTextEdit="1"/>
+          </p:cNvSpPr>
+          <p:nvPr>
+            <p:extLst>
+              <p:ext uri="{386F3935-93C4-4BCD-93E2-E3B085C9AB24}">
+                <p16:designElem xmlns:p16="http://schemas.microsoft.com/office/powerpoint/2015/main" val="1"/>
+              </p:ext>
+            </p:extLst>
+          </p:nvPr>
         </p:nvSpPr>
         <p:spPr>
-          <a:xfrm rot="2700000">
-            <a:off x="82782" y="-1386168"/>
-            <a:ext cx="2424873" cy="3611191"/>
+          <a:xfrm>
+            <a:off x="596464" y="1055718"/>
+            <a:ext cx="10999072" cy="3358344"/>
           </a:xfrm>
-          <a:custGeom>
+          <a:prstGeom prst="rect">
             <a:avLst/>
-            <a:gdLst>
-              <a:gd name="connsiteX0" fmla="*/ 0 w 2424873"/>
-              <a:gd name="connsiteY0" fmla="*/ 2424874 h 3611191"/>
-              <a:gd name="connsiteX1" fmla="*/ 2424873 w 2424873"/>
-              <a:gd name="connsiteY1" fmla="*/ 0 h 3611191"/>
-              <a:gd name="connsiteX2" fmla="*/ 2424873 w 2424873"/>
-              <a:gd name="connsiteY2" fmla="*/ 3611191 h 3611191"/>
-              <a:gd name="connsiteX3" fmla="*/ 1186317 w 2424873"/>
-              <a:gd name="connsiteY3" fmla="*/ 3611191 h 3611191"/>
-            </a:gdLst>
-            <a:ahLst/>
-            <a:cxnLst>
-              <a:cxn ang="0">
-                <a:pos x="connsiteX0" y="connsiteY0"/>
-              </a:cxn>
-              <a:cxn ang="0">
-                <a:pos x="connsiteX1" y="connsiteY1"/>
-              </a:cxn>
-              <a:cxn ang="0">
-                <a:pos x="connsiteX2" y="connsiteY2"/>
-              </a:cxn>
-              <a:cxn ang="0">
-                <a:pos x="connsiteX3" y="connsiteY3"/>
-              </a:cxn>
-            </a:cxnLst>
-            <a:rect l="l" t="t" r="r" b="b"/>
-            <a:pathLst>
-              <a:path w="2424873" h="3611191">
-                <a:moveTo>
-                  <a:pt x="0" y="2424874"/>
-                </a:moveTo>
-                <a:lnTo>
-                  <a:pt x="2424873" y="0"/>
-                </a:lnTo>
-                <a:lnTo>
-                  <a:pt x="2424873" y="3611191"/>
-                </a:lnTo>
-                <a:lnTo>
-                  <a:pt x="1186317" y="3611191"/>
-                </a:lnTo>
-                <a:close/>
-              </a:path>
-            </a:pathLst>
-          </a:custGeom>
+          </a:prstGeom>
           <a:solidFill>
-            <a:schemeClr val="accent4">
-              <a:alpha val="40000"/>
-            </a:schemeClr>
+            <a:schemeClr val="bg1"/>
           </a:solidFill>
           <a:ln>
             <a:noFill/>
           </a:ln>
+          <a:effectLst>
+            <a:outerShdw blurRad="139700" dist="127000" dir="5400000" algn="t" rotWithShape="0">
+              <a:prstClr val="black">
+                <a:alpha val="15000"/>
+              </a:prstClr>
+            </a:outerShdw>
+          </a:effectLst>
         </p:spPr>
         <p:style>
           <a:lnRef idx="2">
@@ -3526,9 +3630,7 @@
           </a:fontRef>
         </p:style>
         <p:txBody>
-          <a:bodyPr wrap="square" rtlCol="0" anchor="ctr">
-            <a:noAutofit/>
-          </a:bodyPr>
+          <a:bodyPr rtlCol="0" anchor="ctr"/>
           <a:lstStyle/>
           <a:p>
             <a:pPr algn="ctr"/>
@@ -3538,800 +3640,6 @@
       </p:sp>
       <p:sp>
         <p:nvSpPr>
-          <p:cNvPr id="11" name="Freeform: Shape 10">
-            <a:extLst>
-              <a:ext uri="{FF2B5EF4-FFF2-40B4-BE49-F238E27FC236}">
-                <a16:creationId xmlns:a16="http://schemas.microsoft.com/office/drawing/2014/main" id="{84617302-4B0D-4351-A6BB-6F0930D943AC}"/>
-              </a:ext>
-              <a:ext uri="{C183D7F6-B498-43B3-948B-1728B52AA6E4}">
-                <adec:decorative xmlns:adec="http://schemas.microsoft.com/office/drawing/2017/decorative" val="1"/>
-              </a:ext>
-            </a:extLst>
-          </p:cNvPr>
-          <p:cNvSpPr>
-            <a:spLocks noGrp="1" noRot="1" noChangeAspect="1" noMove="1" noResize="1" noEditPoints="1" noAdjustHandles="1" noChangeArrowheads="1" noChangeShapeType="1" noTextEdit="1"/>
-          </p:cNvSpPr>
-          <p:nvPr>
-            <p:extLst>
-              <p:ext uri="{386F3935-93C4-4BCD-93E2-E3B085C9AB24}">
-                <p16:designElem xmlns:p16="http://schemas.microsoft.com/office/powerpoint/2015/main" val="1"/>
-              </p:ext>
-            </p:extLst>
-          </p:nvPr>
-        </p:nvSpPr>
-        <p:spPr>
-          <a:xfrm rot="2700000">
-            <a:off x="1571000" y="-338582"/>
-            <a:ext cx="1635955" cy="1635955"/>
-          </a:xfrm>
-          <a:custGeom>
-            <a:avLst/>
-            <a:gdLst>
-              <a:gd name="connsiteX0" fmla="*/ 0 w 1635955"/>
-              <a:gd name="connsiteY0" fmla="*/ 957987 h 1635955"/>
-              <a:gd name="connsiteX1" fmla="*/ 957987 w 1635955"/>
-              <a:gd name="connsiteY1" fmla="*/ 0 h 1635955"/>
-              <a:gd name="connsiteX2" fmla="*/ 1635955 w 1635955"/>
-              <a:gd name="connsiteY2" fmla="*/ 0 h 1635955"/>
-              <a:gd name="connsiteX3" fmla="*/ 1635955 w 1635955"/>
-              <a:gd name="connsiteY3" fmla="*/ 1635955 h 1635955"/>
-              <a:gd name="connsiteX4" fmla="*/ 0 w 1635955"/>
-              <a:gd name="connsiteY4" fmla="*/ 1635955 h 1635955"/>
-            </a:gdLst>
-            <a:ahLst/>
-            <a:cxnLst>
-              <a:cxn ang="0">
-                <a:pos x="connsiteX0" y="connsiteY0"/>
-              </a:cxn>
-              <a:cxn ang="0">
-                <a:pos x="connsiteX1" y="connsiteY1"/>
-              </a:cxn>
-              <a:cxn ang="0">
-                <a:pos x="connsiteX2" y="connsiteY2"/>
-              </a:cxn>
-              <a:cxn ang="0">
-                <a:pos x="connsiteX3" y="connsiteY3"/>
-              </a:cxn>
-              <a:cxn ang="0">
-                <a:pos x="connsiteX4" y="connsiteY4"/>
-              </a:cxn>
-            </a:cxnLst>
-            <a:rect l="l" t="t" r="r" b="b"/>
-            <a:pathLst>
-              <a:path w="1635955" h="1635955">
-                <a:moveTo>
-                  <a:pt x="0" y="957987"/>
-                </a:moveTo>
-                <a:lnTo>
-                  <a:pt x="957987" y="0"/>
-                </a:lnTo>
-                <a:lnTo>
-                  <a:pt x="1635955" y="0"/>
-                </a:lnTo>
-                <a:lnTo>
-                  <a:pt x="1635955" y="1635955"/>
-                </a:lnTo>
-                <a:lnTo>
-                  <a:pt x="0" y="1635955"/>
-                </a:lnTo>
-                <a:close/>
-              </a:path>
-            </a:pathLst>
-          </a:custGeom>
-          <a:solidFill>
-            <a:schemeClr val="accent4">
-              <a:alpha val="40000"/>
-            </a:schemeClr>
-          </a:solidFill>
-          <a:ln>
-            <a:noFill/>
-          </a:ln>
-        </p:spPr>
-        <p:style>
-          <a:lnRef idx="2">
-            <a:schemeClr val="accent1">
-              <a:shade val="50000"/>
-            </a:schemeClr>
-          </a:lnRef>
-          <a:fillRef idx="1">
-            <a:schemeClr val="accent1"/>
-          </a:fillRef>
-          <a:effectRef idx="0">
-            <a:schemeClr val="accent1"/>
-          </a:effectRef>
-          <a:fontRef idx="minor">
-            <a:schemeClr val="lt1"/>
-          </a:fontRef>
-        </p:style>
-        <p:txBody>
-          <a:bodyPr wrap="square" rtlCol="0" anchor="ctr">
-            <a:noAutofit/>
-          </a:bodyPr>
-          <a:lstStyle/>
-          <a:p>
-            <a:pPr algn="ctr"/>
-            <a:endParaRPr lang="en-US"/>
-          </a:p>
-        </p:txBody>
-      </p:sp>
-      <p:sp>
-        <p:nvSpPr>
-          <p:cNvPr id="13" name="Freeform: Shape 12">
-            <a:extLst>
-              <a:ext uri="{FF2B5EF4-FFF2-40B4-BE49-F238E27FC236}">
-                <a16:creationId xmlns:a16="http://schemas.microsoft.com/office/drawing/2014/main" id="{DA2C7802-C2E0-4218-8F89-8DD7CCD2CD1C}"/>
-              </a:ext>
-              <a:ext uri="{C183D7F6-B498-43B3-948B-1728B52AA6E4}">
-                <adec:decorative xmlns:adec="http://schemas.microsoft.com/office/drawing/2017/decorative" val="1"/>
-              </a:ext>
-            </a:extLst>
-          </p:cNvPr>
-          <p:cNvSpPr>
-            <a:spLocks noGrp="1" noRot="1" noChangeAspect="1" noMove="1" noResize="1" noEditPoints="1" noAdjustHandles="1" noChangeArrowheads="1" noChangeShapeType="1" noTextEdit="1"/>
-          </p:cNvSpPr>
-          <p:nvPr>
-            <p:extLst>
-              <p:ext uri="{386F3935-93C4-4BCD-93E2-E3B085C9AB24}">
-                <p16:designElem xmlns:p16="http://schemas.microsoft.com/office/powerpoint/2015/main" val="1"/>
-              </p:ext>
-            </p:extLst>
-          </p:nvPr>
-        </p:nvSpPr>
-        <p:spPr>
-          <a:xfrm rot="2700000">
-            <a:off x="9627985" y="-6588"/>
-            <a:ext cx="4059393" cy="2548110"/>
-          </a:xfrm>
-          <a:custGeom>
-            <a:avLst/>
-            <a:gdLst>
-              <a:gd name="connsiteX0" fmla="*/ 0 w 4059393"/>
-              <a:gd name="connsiteY0" fmla="*/ 1511282 h 2548110"/>
-              <a:gd name="connsiteX1" fmla="*/ 1511282 w 4059393"/>
-              <a:gd name="connsiteY1" fmla="*/ 0 h 2548110"/>
-              <a:gd name="connsiteX2" fmla="*/ 4059393 w 4059393"/>
-              <a:gd name="connsiteY2" fmla="*/ 2548110 h 2548110"/>
-              <a:gd name="connsiteX3" fmla="*/ 0 w 4059393"/>
-              <a:gd name="connsiteY3" fmla="*/ 2548110 h 2548110"/>
-            </a:gdLst>
-            <a:ahLst/>
-            <a:cxnLst>
-              <a:cxn ang="0">
-                <a:pos x="connsiteX0" y="connsiteY0"/>
-              </a:cxn>
-              <a:cxn ang="0">
-                <a:pos x="connsiteX1" y="connsiteY1"/>
-              </a:cxn>
-              <a:cxn ang="0">
-                <a:pos x="connsiteX2" y="connsiteY2"/>
-              </a:cxn>
-              <a:cxn ang="0">
-                <a:pos x="connsiteX3" y="connsiteY3"/>
-              </a:cxn>
-            </a:cxnLst>
-            <a:rect l="l" t="t" r="r" b="b"/>
-            <a:pathLst>
-              <a:path w="4059393" h="2548110">
-                <a:moveTo>
-                  <a:pt x="0" y="1511282"/>
-                </a:moveTo>
-                <a:lnTo>
-                  <a:pt x="1511282" y="0"/>
-                </a:lnTo>
-                <a:lnTo>
-                  <a:pt x="4059393" y="2548110"/>
-                </a:lnTo>
-                <a:lnTo>
-                  <a:pt x="0" y="2548110"/>
-                </a:lnTo>
-                <a:close/>
-              </a:path>
-            </a:pathLst>
-          </a:custGeom>
-          <a:solidFill>
-            <a:schemeClr val="accent1">
-              <a:alpha val="30000"/>
-            </a:schemeClr>
-          </a:solidFill>
-          <a:ln>
-            <a:noFill/>
-          </a:ln>
-        </p:spPr>
-        <p:style>
-          <a:lnRef idx="2">
-            <a:schemeClr val="accent1">
-              <a:shade val="50000"/>
-            </a:schemeClr>
-          </a:lnRef>
-          <a:fillRef idx="1">
-            <a:schemeClr val="accent1"/>
-          </a:fillRef>
-          <a:effectRef idx="0">
-            <a:schemeClr val="accent1"/>
-          </a:effectRef>
-          <a:fontRef idx="minor">
-            <a:schemeClr val="lt1"/>
-          </a:fontRef>
-        </p:style>
-        <p:txBody>
-          <a:bodyPr wrap="square" rtlCol="0" anchor="ctr">
-            <a:noAutofit/>
-          </a:bodyPr>
-          <a:lstStyle/>
-          <a:p>
-            <a:pPr algn="ctr"/>
-            <a:endParaRPr lang="en-US"/>
-          </a:p>
-        </p:txBody>
-      </p:sp>
-      <p:sp>
-        <p:nvSpPr>
-          <p:cNvPr id="15" name="Rectangle 14">
-            <a:extLst>
-              <a:ext uri="{FF2B5EF4-FFF2-40B4-BE49-F238E27FC236}">
-                <a16:creationId xmlns:a16="http://schemas.microsoft.com/office/drawing/2014/main" id="{A6D7111A-21E5-4EE9-8A78-10E5530F0116}"/>
-              </a:ext>
-              <a:ext uri="{C183D7F6-B498-43B3-948B-1728B52AA6E4}">
-                <adec:decorative xmlns:adec="http://schemas.microsoft.com/office/drawing/2017/decorative" val="1"/>
-              </a:ext>
-            </a:extLst>
-          </p:cNvPr>
-          <p:cNvSpPr>
-            <a:spLocks noGrp="1" noRot="1" noChangeAspect="1" noMove="1" noResize="1" noEditPoints="1" noAdjustHandles="1" noChangeArrowheads="1" noChangeShapeType="1" noTextEdit="1"/>
-          </p:cNvSpPr>
-          <p:nvPr>
-            <p:extLst>
-              <p:ext uri="{386F3935-93C4-4BCD-93E2-E3B085C9AB24}">
-                <p16:designElem xmlns:p16="http://schemas.microsoft.com/office/powerpoint/2015/main" val="1"/>
-              </p:ext>
-            </p:extLst>
-          </p:nvPr>
-        </p:nvSpPr>
-        <p:spPr>
-          <a:xfrm rot="2700000">
-            <a:off x="10262924" y="1465780"/>
-            <a:ext cx="1185708" cy="1185708"/>
-          </a:xfrm>
-          <a:prstGeom prst="rect">
-            <a:avLst/>
-          </a:prstGeom>
-          <a:solidFill>
-            <a:schemeClr val="accent1">
-              <a:alpha val="30000"/>
-            </a:schemeClr>
-          </a:solidFill>
-          <a:ln>
-            <a:noFill/>
-          </a:ln>
-        </p:spPr>
-        <p:style>
-          <a:lnRef idx="2">
-            <a:schemeClr val="accent1">
-              <a:shade val="50000"/>
-            </a:schemeClr>
-          </a:lnRef>
-          <a:fillRef idx="1">
-            <a:schemeClr val="accent1"/>
-          </a:fillRef>
-          <a:effectRef idx="0">
-            <a:schemeClr val="accent1"/>
-          </a:effectRef>
-          <a:fontRef idx="minor">
-            <a:schemeClr val="lt1"/>
-          </a:fontRef>
-        </p:style>
-        <p:txBody>
-          <a:bodyPr wrap="square" rtlCol="0" anchor="ctr">
-            <a:noAutofit/>
-          </a:bodyPr>
-          <a:lstStyle/>
-          <a:p>
-            <a:pPr algn="ctr"/>
-            <a:endParaRPr lang="en-US"/>
-          </a:p>
-        </p:txBody>
-      </p:sp>
-      <p:sp>
-        <p:nvSpPr>
-          <p:cNvPr id="17" name="Freeform: Shape 16">
-            <a:extLst>
-              <a:ext uri="{FF2B5EF4-FFF2-40B4-BE49-F238E27FC236}">
-                <a16:creationId xmlns:a16="http://schemas.microsoft.com/office/drawing/2014/main" id="{A3969E80-A77B-49FC-9122-D89AFD5EE118}"/>
-              </a:ext>
-              <a:ext uri="{C183D7F6-B498-43B3-948B-1728B52AA6E4}">
-                <adec:decorative xmlns:adec="http://schemas.microsoft.com/office/drawing/2017/decorative" val="1"/>
-              </a:ext>
-            </a:extLst>
-          </p:cNvPr>
-          <p:cNvSpPr>
-            <a:spLocks noGrp="1" noRot="1" noChangeAspect="1" noMove="1" noResize="1" noEditPoints="1" noAdjustHandles="1" noChangeArrowheads="1" noChangeShapeType="1" noTextEdit="1"/>
-          </p:cNvSpPr>
-          <p:nvPr>
-            <p:extLst>
-              <p:ext uri="{386F3935-93C4-4BCD-93E2-E3B085C9AB24}">
-                <p16:designElem xmlns:p16="http://schemas.microsoft.com/office/powerpoint/2015/main" val="1"/>
-              </p:ext>
-            </p:extLst>
-          </p:nvPr>
-        </p:nvSpPr>
-        <p:spPr>
-          <a:xfrm rot="2700000">
-            <a:off x="-29557" y="5198743"/>
-            <a:ext cx="2444907" cy="2366116"/>
-          </a:xfrm>
-          <a:custGeom>
-            <a:avLst/>
-            <a:gdLst>
-              <a:gd name="connsiteX0" fmla="*/ 0 w 2203753"/>
-              <a:gd name="connsiteY0" fmla="*/ 0 h 2132734"/>
-              <a:gd name="connsiteX1" fmla="*/ 2203753 w 2203753"/>
-              <a:gd name="connsiteY1" fmla="*/ 0 h 2132734"/>
-              <a:gd name="connsiteX2" fmla="*/ 2203753 w 2203753"/>
-              <a:gd name="connsiteY2" fmla="*/ 576461 h 2132734"/>
-              <a:gd name="connsiteX3" fmla="*/ 647480 w 2203753"/>
-              <a:gd name="connsiteY3" fmla="*/ 2132734 h 2132734"/>
-              <a:gd name="connsiteX4" fmla="*/ 0 w 2203753"/>
-              <a:gd name="connsiteY4" fmla="*/ 1485255 h 2132734"/>
-            </a:gdLst>
-            <a:ahLst/>
-            <a:cxnLst>
-              <a:cxn ang="0">
-                <a:pos x="connsiteX0" y="connsiteY0"/>
-              </a:cxn>
-              <a:cxn ang="0">
-                <a:pos x="connsiteX1" y="connsiteY1"/>
-              </a:cxn>
-              <a:cxn ang="0">
-                <a:pos x="connsiteX2" y="connsiteY2"/>
-              </a:cxn>
-              <a:cxn ang="0">
-                <a:pos x="connsiteX3" y="connsiteY3"/>
-              </a:cxn>
-              <a:cxn ang="0">
-                <a:pos x="connsiteX4" y="connsiteY4"/>
-              </a:cxn>
-            </a:cxnLst>
-            <a:rect l="l" t="t" r="r" b="b"/>
-            <a:pathLst>
-              <a:path w="2203753" h="2132734">
-                <a:moveTo>
-                  <a:pt x="0" y="0"/>
-                </a:moveTo>
-                <a:lnTo>
-                  <a:pt x="2203753" y="0"/>
-                </a:lnTo>
-                <a:lnTo>
-                  <a:pt x="2203753" y="576461"/>
-                </a:lnTo>
-                <a:lnTo>
-                  <a:pt x="647480" y="2132734"/>
-                </a:lnTo>
-                <a:lnTo>
-                  <a:pt x="0" y="1485255"/>
-                </a:lnTo>
-                <a:close/>
-              </a:path>
-            </a:pathLst>
-          </a:custGeom>
-          <a:solidFill>
-            <a:schemeClr val="accent1">
-              <a:alpha val="30000"/>
-            </a:schemeClr>
-          </a:solidFill>
-          <a:ln>
-            <a:noFill/>
-          </a:ln>
-        </p:spPr>
-        <p:style>
-          <a:lnRef idx="2">
-            <a:schemeClr val="accent1">
-              <a:shade val="50000"/>
-            </a:schemeClr>
-          </a:lnRef>
-          <a:fillRef idx="1">
-            <a:schemeClr val="accent1"/>
-          </a:fillRef>
-          <a:effectRef idx="0">
-            <a:schemeClr val="accent1"/>
-          </a:effectRef>
-          <a:fontRef idx="minor">
-            <a:schemeClr val="lt1"/>
-          </a:fontRef>
-        </p:style>
-        <p:txBody>
-          <a:bodyPr wrap="square" rtlCol="0" anchor="ctr">
-            <a:noAutofit/>
-          </a:bodyPr>
-          <a:lstStyle/>
-          <a:p>
-            <a:pPr algn="ctr"/>
-            <a:endParaRPr lang="en-US"/>
-          </a:p>
-        </p:txBody>
-      </p:sp>
-      <p:sp>
-        <p:nvSpPr>
-          <p:cNvPr id="19" name="Rectangle 18">
-            <a:extLst>
-              <a:ext uri="{FF2B5EF4-FFF2-40B4-BE49-F238E27FC236}">
-                <a16:creationId xmlns:a16="http://schemas.microsoft.com/office/drawing/2014/main" id="{1849CA57-76BD-4CF2-80BA-D7A46A01B7B1}"/>
-              </a:ext>
-              <a:ext uri="{C183D7F6-B498-43B3-948B-1728B52AA6E4}">
-                <adec:decorative xmlns:adec="http://schemas.microsoft.com/office/drawing/2017/decorative" val="1"/>
-              </a:ext>
-            </a:extLst>
-          </p:cNvPr>
-          <p:cNvSpPr>
-            <a:spLocks noGrp="1" noRot="1" noChangeAspect="1" noMove="1" noResize="1" noEditPoints="1" noAdjustHandles="1" noChangeArrowheads="1" noChangeShapeType="1" noTextEdit="1"/>
-          </p:cNvSpPr>
-          <p:nvPr>
-            <p:extLst>
-              <p:ext uri="{386F3935-93C4-4BCD-93E2-E3B085C9AB24}">
-                <p16:designElem xmlns:p16="http://schemas.microsoft.com/office/powerpoint/2015/main" val="1"/>
-              </p:ext>
-            </p:extLst>
-          </p:nvPr>
-        </p:nvSpPr>
-        <p:spPr>
-          <a:xfrm rot="2700000">
-            <a:off x="1769787" y="5439893"/>
-            <a:ext cx="928467" cy="928467"/>
-          </a:xfrm>
-          <a:prstGeom prst="rect">
-            <a:avLst/>
-          </a:prstGeom>
-          <a:solidFill>
-            <a:schemeClr val="accent1">
-              <a:alpha val="30000"/>
-            </a:schemeClr>
-          </a:solidFill>
-          <a:ln>
-            <a:noFill/>
-          </a:ln>
-        </p:spPr>
-        <p:style>
-          <a:lnRef idx="2">
-            <a:schemeClr val="accent1">
-              <a:shade val="50000"/>
-            </a:schemeClr>
-          </a:lnRef>
-          <a:fillRef idx="1">
-            <a:schemeClr val="accent1"/>
-          </a:fillRef>
-          <a:effectRef idx="0">
-            <a:schemeClr val="accent1"/>
-          </a:effectRef>
-          <a:fontRef idx="minor">
-            <a:schemeClr val="lt1"/>
-          </a:fontRef>
-        </p:style>
-        <p:txBody>
-          <a:bodyPr wrap="square" rtlCol="0" anchor="ctr">
-            <a:noAutofit/>
-          </a:bodyPr>
-          <a:lstStyle/>
-          <a:p>
-            <a:pPr algn="ctr"/>
-            <a:endParaRPr lang="en-US">
-              <a:solidFill>
-                <a:srgbClr val="FFFFFF"/>
-              </a:solidFill>
-              <a:effectLst>
-                <a:outerShdw blurRad="38100" dist="38100" dir="2700000" algn="tl">
-                  <a:srgbClr val="000000">
-                    <a:alpha val="43137"/>
-                  </a:srgbClr>
-                </a:outerShdw>
-              </a:effectLst>
-            </a:endParaRPr>
-          </a:p>
-        </p:txBody>
-      </p:sp>
-      <p:sp>
-        <p:nvSpPr>
-          <p:cNvPr id="21" name="Freeform: Shape 20">
-            <a:extLst>
-              <a:ext uri="{FF2B5EF4-FFF2-40B4-BE49-F238E27FC236}">
-                <a16:creationId xmlns:a16="http://schemas.microsoft.com/office/drawing/2014/main" id="{35E9085E-E730-4768-83D4-6CB7E9897153}"/>
-              </a:ext>
-              <a:ext uri="{C183D7F6-B498-43B3-948B-1728B52AA6E4}">
-                <adec:decorative xmlns:adec="http://schemas.microsoft.com/office/drawing/2017/decorative" val="1"/>
-              </a:ext>
-            </a:extLst>
-          </p:cNvPr>
-          <p:cNvSpPr>
-            <a:spLocks noGrp="1" noRot="1" noChangeAspect="1" noMove="1" noResize="1" noEditPoints="1" noAdjustHandles="1" noChangeArrowheads="1" noChangeShapeType="1" noTextEdit="1"/>
-          </p:cNvSpPr>
-          <p:nvPr>
-            <p:extLst>
-              <p:ext uri="{386F3935-93C4-4BCD-93E2-E3B085C9AB24}">
-                <p16:designElem xmlns:p16="http://schemas.microsoft.com/office/powerpoint/2015/main" val="1"/>
-              </p:ext>
-            </p:extLst>
-          </p:nvPr>
-        </p:nvSpPr>
-        <p:spPr>
-          <a:xfrm rot="2700000">
-            <a:off x="3401311" y="734311"/>
-            <a:ext cx="5389379" cy="5389379"/>
-          </a:xfrm>
-          <a:custGeom>
-            <a:avLst/>
-            <a:gdLst>
-              <a:gd name="connsiteX0" fmla="*/ 0 w 5389379"/>
-              <a:gd name="connsiteY0" fmla="*/ 540040 h 5389379"/>
-              <a:gd name="connsiteX1" fmla="*/ 540040 w 5389379"/>
-              <a:gd name="connsiteY1" fmla="*/ 0 h 5389379"/>
-              <a:gd name="connsiteX2" fmla="*/ 5389379 w 5389379"/>
-              <a:gd name="connsiteY2" fmla="*/ 0 h 5389379"/>
-              <a:gd name="connsiteX3" fmla="*/ 5389379 w 5389379"/>
-              <a:gd name="connsiteY3" fmla="*/ 4838655 h 5389379"/>
-              <a:gd name="connsiteX4" fmla="*/ 4838655 w 5389379"/>
-              <a:gd name="connsiteY4" fmla="*/ 5389379 h 5389379"/>
-              <a:gd name="connsiteX5" fmla="*/ 0 w 5389379"/>
-              <a:gd name="connsiteY5" fmla="*/ 5389379 h 5389379"/>
-            </a:gdLst>
-            <a:ahLst/>
-            <a:cxnLst>
-              <a:cxn ang="0">
-                <a:pos x="connsiteX0" y="connsiteY0"/>
-              </a:cxn>
-              <a:cxn ang="0">
-                <a:pos x="connsiteX1" y="connsiteY1"/>
-              </a:cxn>
-              <a:cxn ang="0">
-                <a:pos x="connsiteX2" y="connsiteY2"/>
-              </a:cxn>
-              <a:cxn ang="0">
-                <a:pos x="connsiteX3" y="connsiteY3"/>
-              </a:cxn>
-              <a:cxn ang="0">
-                <a:pos x="connsiteX4" y="connsiteY4"/>
-              </a:cxn>
-              <a:cxn ang="0">
-                <a:pos x="connsiteX5" y="connsiteY5"/>
-              </a:cxn>
-            </a:cxnLst>
-            <a:rect l="l" t="t" r="r" b="b"/>
-            <a:pathLst>
-              <a:path w="5389379" h="5389379">
-                <a:moveTo>
-                  <a:pt x="0" y="540040"/>
-                </a:moveTo>
-                <a:lnTo>
-                  <a:pt x="540040" y="0"/>
-                </a:lnTo>
-                <a:lnTo>
-                  <a:pt x="5389379" y="0"/>
-                </a:lnTo>
-                <a:lnTo>
-                  <a:pt x="5389379" y="4838655"/>
-                </a:lnTo>
-                <a:lnTo>
-                  <a:pt x="4838655" y="5389379"/>
-                </a:lnTo>
-                <a:lnTo>
-                  <a:pt x="0" y="5389379"/>
-                </a:lnTo>
-                <a:close/>
-              </a:path>
-            </a:pathLst>
-          </a:custGeom>
-          <a:solidFill>
-            <a:srgbClr val="FFFFFF"/>
-          </a:solidFill>
-          <a:ln>
-            <a:noFill/>
-          </a:ln>
-        </p:spPr>
-        <p:style>
-          <a:lnRef idx="2">
-            <a:schemeClr val="accent1">
-              <a:shade val="50000"/>
-            </a:schemeClr>
-          </a:lnRef>
-          <a:fillRef idx="1">
-            <a:schemeClr val="accent1"/>
-          </a:fillRef>
-          <a:effectRef idx="0">
-            <a:schemeClr val="accent1"/>
-          </a:effectRef>
-          <a:fontRef idx="minor">
-            <a:schemeClr val="lt1"/>
-          </a:fontRef>
-        </p:style>
-        <p:txBody>
-          <a:bodyPr wrap="square" rtlCol="0" anchor="ctr">
-            <a:noAutofit/>
-          </a:bodyPr>
-          <a:lstStyle/>
-          <a:p>
-            <a:pPr algn="ctr"/>
-            <a:endParaRPr lang="en-US"/>
-          </a:p>
-        </p:txBody>
-      </p:sp>
-      <p:sp>
-        <p:nvSpPr>
-          <p:cNvPr id="23" name="Freeform: Shape 22">
-            <a:extLst>
-              <a:ext uri="{FF2B5EF4-FFF2-40B4-BE49-F238E27FC236}">
-                <a16:creationId xmlns:a16="http://schemas.microsoft.com/office/drawing/2014/main" id="{973272FE-A474-4CAE-8CA2-BCC8B476C3F4}"/>
-              </a:ext>
-              <a:ext uri="{C183D7F6-B498-43B3-948B-1728B52AA6E4}">
-                <adec:decorative xmlns:adec="http://schemas.microsoft.com/office/drawing/2017/decorative" val="1"/>
-              </a:ext>
-            </a:extLst>
-          </p:cNvPr>
-          <p:cNvSpPr>
-            <a:spLocks noGrp="1" noRot="1" noChangeAspect="1" noMove="1" noResize="1" noEditPoints="1" noAdjustHandles="1" noChangeArrowheads="1" noChangeShapeType="1" noTextEdit="1"/>
-          </p:cNvSpPr>
-          <p:nvPr>
-            <p:extLst>
-              <p:ext uri="{386F3935-93C4-4BCD-93E2-E3B085C9AB24}">
-                <p16:designElem xmlns:p16="http://schemas.microsoft.com/office/powerpoint/2015/main" val="1"/>
-              </p:ext>
-            </p:extLst>
-          </p:nvPr>
-        </p:nvSpPr>
-        <p:spPr>
-          <a:xfrm rot="2700000">
-            <a:off x="2700283" y="33283"/>
-            <a:ext cx="6791435" cy="6791435"/>
-          </a:xfrm>
-          <a:custGeom>
-            <a:avLst/>
-            <a:gdLst>
-              <a:gd name="connsiteX0" fmla="*/ 1860938 w 6791435"/>
-              <a:gd name="connsiteY0" fmla="*/ 81158 h 6791435"/>
-              <a:gd name="connsiteX1" fmla="*/ 1942096 w 6791435"/>
-              <a:gd name="connsiteY1" fmla="*/ 0 h 6791435"/>
-              <a:gd name="connsiteX2" fmla="*/ 6791435 w 6791435"/>
-              <a:gd name="connsiteY2" fmla="*/ 0 h 6791435"/>
-              <a:gd name="connsiteX3" fmla="*/ 6791435 w 6791435"/>
-              <a:gd name="connsiteY3" fmla="*/ 4838655 h 6791435"/>
-              <a:gd name="connsiteX4" fmla="*/ 6710277 w 6791435"/>
-              <a:gd name="connsiteY4" fmla="*/ 4919813 h 6791435"/>
-              <a:gd name="connsiteX5" fmla="*/ 6710277 w 6791435"/>
-              <a:gd name="connsiteY5" fmla="*/ 81158 h 6791435"/>
-              <a:gd name="connsiteX6" fmla="*/ 0 w 6791435"/>
-              <a:gd name="connsiteY6" fmla="*/ 1942096 h 6791435"/>
-              <a:gd name="connsiteX7" fmla="*/ 81158 w 6791435"/>
-              <a:gd name="connsiteY7" fmla="*/ 1860938 h 6791435"/>
-              <a:gd name="connsiteX8" fmla="*/ 81158 w 6791435"/>
-              <a:gd name="connsiteY8" fmla="*/ 6710277 h 6791435"/>
-              <a:gd name="connsiteX9" fmla="*/ 4919813 w 6791435"/>
-              <a:gd name="connsiteY9" fmla="*/ 6710277 h 6791435"/>
-              <a:gd name="connsiteX10" fmla="*/ 4838655 w 6791435"/>
-              <a:gd name="connsiteY10" fmla="*/ 6791435 h 6791435"/>
-              <a:gd name="connsiteX11" fmla="*/ 0 w 6791435"/>
-              <a:gd name="connsiteY11" fmla="*/ 6791435 h 6791435"/>
-            </a:gdLst>
-            <a:ahLst/>
-            <a:cxnLst>
-              <a:cxn ang="0">
-                <a:pos x="connsiteX0" y="connsiteY0"/>
-              </a:cxn>
-              <a:cxn ang="0">
-                <a:pos x="connsiteX1" y="connsiteY1"/>
-              </a:cxn>
-              <a:cxn ang="0">
-                <a:pos x="connsiteX2" y="connsiteY2"/>
-              </a:cxn>
-              <a:cxn ang="0">
-                <a:pos x="connsiteX3" y="connsiteY3"/>
-              </a:cxn>
-              <a:cxn ang="0">
-                <a:pos x="connsiteX4" y="connsiteY4"/>
-              </a:cxn>
-              <a:cxn ang="0">
-                <a:pos x="connsiteX5" y="connsiteY5"/>
-              </a:cxn>
-              <a:cxn ang="0">
-                <a:pos x="connsiteX6" y="connsiteY6"/>
-              </a:cxn>
-              <a:cxn ang="0">
-                <a:pos x="connsiteX7" y="connsiteY7"/>
-              </a:cxn>
-              <a:cxn ang="0">
-                <a:pos x="connsiteX8" y="connsiteY8"/>
-              </a:cxn>
-              <a:cxn ang="0">
-                <a:pos x="connsiteX9" y="connsiteY9"/>
-              </a:cxn>
-              <a:cxn ang="0">
-                <a:pos x="connsiteX10" y="connsiteY10"/>
-              </a:cxn>
-              <a:cxn ang="0">
-                <a:pos x="connsiteX11" y="connsiteY11"/>
-              </a:cxn>
-            </a:cxnLst>
-            <a:rect l="l" t="t" r="r" b="b"/>
-            <a:pathLst>
-              <a:path w="6791435" h="6791435">
-                <a:moveTo>
-                  <a:pt x="1860938" y="81158"/>
-                </a:moveTo>
-                <a:lnTo>
-                  <a:pt x="1942096" y="0"/>
-                </a:lnTo>
-                <a:lnTo>
-                  <a:pt x="6791435" y="0"/>
-                </a:lnTo>
-                <a:lnTo>
-                  <a:pt x="6791435" y="4838655"/>
-                </a:lnTo>
-                <a:lnTo>
-                  <a:pt x="6710277" y="4919813"/>
-                </a:lnTo>
-                <a:lnTo>
-                  <a:pt x="6710277" y="81158"/>
-                </a:lnTo>
-                <a:close/>
-                <a:moveTo>
-                  <a:pt x="0" y="1942096"/>
-                </a:moveTo>
-                <a:lnTo>
-                  <a:pt x="81158" y="1860938"/>
-                </a:lnTo>
-                <a:lnTo>
-                  <a:pt x="81158" y="6710277"/>
-                </a:lnTo>
-                <a:lnTo>
-                  <a:pt x="4919813" y="6710277"/>
-                </a:lnTo>
-                <a:lnTo>
-                  <a:pt x="4838655" y="6791435"/>
-                </a:lnTo>
-                <a:lnTo>
-                  <a:pt x="0" y="6791435"/>
-                </a:lnTo>
-                <a:close/>
-              </a:path>
-            </a:pathLst>
-          </a:custGeom>
-          <a:solidFill>
-            <a:srgbClr val="FFFFFF">
-              <a:alpha val="60000"/>
-            </a:srgbClr>
-          </a:solidFill>
-          <a:ln>
-            <a:noFill/>
-          </a:ln>
-        </p:spPr>
-        <p:style>
-          <a:lnRef idx="2">
-            <a:schemeClr val="accent1">
-              <a:shade val="50000"/>
-            </a:schemeClr>
-          </a:lnRef>
-          <a:fillRef idx="1">
-            <a:schemeClr val="accent1"/>
-          </a:fillRef>
-          <a:effectRef idx="0">
-            <a:schemeClr val="accent1"/>
-          </a:effectRef>
-          <a:fontRef idx="minor">
-            <a:schemeClr val="lt1"/>
-          </a:fontRef>
-        </p:style>
-        <p:txBody>
-          <a:bodyPr wrap="square" rtlCol="0" anchor="ctr">
-            <a:noAutofit/>
-          </a:bodyPr>
-          <a:lstStyle/>
-          <a:p>
-            <a:pPr algn="ctr"/>
-            <a:endParaRPr lang="en-US">
-              <a:solidFill>
-                <a:schemeClr val="tx1"/>
-              </a:solidFill>
-            </a:endParaRPr>
-          </a:p>
-        </p:txBody>
-      </p:sp>
-      <p:sp>
-        <p:nvSpPr>
           <p:cNvPr id="2" name="Title 1">
             <a:extLst>
               <a:ext uri="{FF2B5EF4-FFF2-40B4-BE49-F238E27FC236}">
@@ -4348,10 +3656,9 @@
         </p:nvSpPr>
         <p:spPr>
           <a:xfrm>
-            <a:off x="3204642" y="2353641"/>
-            <a:ext cx="5782716" cy="2150719"/>
+            <a:off x="1524000" y="1584683"/>
+            <a:ext cx="9144000" cy="2551829"/>
           </a:xfrm>
-          <a:noFill/>
         </p:spPr>
         <p:txBody>
           <a:bodyPr anchor="ctr">
@@ -4360,247 +3667,45 @@
           <a:lstStyle/>
           <a:p>
             <a:r>
-              <a:rPr lang="it-IT" sz="2800" b="0" i="0" u="none" strike="noStrike" baseline="0" dirty="0">
-                <a:solidFill>
-                  <a:srgbClr val="080808"/>
-                </a:solidFill>
+              <a:rPr lang="it-IT" sz="3600" b="0" i="0" u="none" strike="noStrike" baseline="0">
                 <a:latin typeface="CMR17"/>
               </a:rPr>
               <a:t>Visual Analytics</a:t>
             </a:r>
             <a:br>
-              <a:rPr lang="it-IT" sz="2800" b="0" i="0" u="none" strike="noStrike" baseline="0" dirty="0">
-                <a:solidFill>
-                  <a:srgbClr val="080808"/>
-                </a:solidFill>
+              <a:rPr lang="it-IT" sz="3600" b="0" i="0" u="none" strike="noStrike" baseline="0">
                 <a:latin typeface="CMR17"/>
               </a:rPr>
             </a:br>
             <a:r>
-              <a:rPr lang="it-IT" sz="2800" b="0" i="0" u="none" strike="noStrike" baseline="0" dirty="0">
-                <a:solidFill>
-                  <a:srgbClr val="080808"/>
-                </a:solidFill>
+              <a:rPr lang="it-IT" sz="3600" b="0" i="0" u="none" strike="noStrike" baseline="0">
                 <a:latin typeface="CMR12"/>
               </a:rPr>
               <a:t>Engineering in Computer Science - Sapienza</a:t>
             </a:r>
             <a:br>
-              <a:rPr lang="it-IT" sz="2800" b="0" i="0" u="none" strike="noStrike" baseline="0" dirty="0">
-                <a:solidFill>
-                  <a:srgbClr val="080808"/>
-                </a:solidFill>
+              <a:rPr lang="it-IT" sz="3600" b="0" i="0" u="none" strike="noStrike" baseline="0">
                 <a:latin typeface="CMR12"/>
               </a:rPr>
             </a:br>
             <a:r>
-              <a:rPr lang="it-IT" sz="2800" b="0" i="0" u="none" strike="noStrike" baseline="0" dirty="0">
-                <a:solidFill>
-                  <a:srgbClr val="080808"/>
-                </a:solidFill>
+              <a:rPr lang="it-IT" sz="3600" b="0" i="0" u="none" strike="noStrike" baseline="0">
                 <a:latin typeface="CMR12"/>
               </a:rPr>
               <a:t>Class 2019-2020</a:t>
             </a:r>
             <a:br>
-              <a:rPr lang="it-IT" sz="2800" b="0" i="0" u="none" strike="noStrike" baseline="0" dirty="0">
-                <a:solidFill>
-                  <a:srgbClr val="080808"/>
-                </a:solidFill>
+              <a:rPr lang="it-IT" sz="3600" b="0" i="0" u="none" strike="noStrike" baseline="0">
                 <a:latin typeface="CMR12"/>
               </a:rPr>
             </a:br>
             <a:r>
-              <a:rPr lang="it-IT" sz="2800" b="0" i="0" u="none" strike="noStrike" baseline="0" dirty="0">
-                <a:solidFill>
-                  <a:srgbClr val="080808"/>
-                </a:solidFill>
+              <a:rPr lang="it-IT" sz="3600" b="0" i="0" u="none" strike="noStrike" baseline="0">
                 <a:latin typeface="CMR12"/>
               </a:rPr>
               <a:t>Matteo Rizza, Nicola Di Santo</a:t>
             </a:r>
-            <a:endParaRPr lang="it-IT" sz="2800" dirty="0">
-              <a:solidFill>
-                <a:srgbClr val="080808"/>
-              </a:solidFill>
-            </a:endParaRPr>
-          </a:p>
-        </p:txBody>
-      </p:sp>
-      <p:sp>
-        <p:nvSpPr>
-          <p:cNvPr id="25" name="Freeform: Shape 24">
-            <a:extLst>
-              <a:ext uri="{FF2B5EF4-FFF2-40B4-BE49-F238E27FC236}">
-                <a16:creationId xmlns:a16="http://schemas.microsoft.com/office/drawing/2014/main" id="{E07981EA-05A6-437C-88D7-B377B92B031D}"/>
-              </a:ext>
-              <a:ext uri="{C183D7F6-B498-43B3-948B-1728B52AA6E4}">
-                <adec:decorative xmlns:adec="http://schemas.microsoft.com/office/drawing/2017/decorative" val="1"/>
-              </a:ext>
-            </a:extLst>
-          </p:cNvPr>
-          <p:cNvSpPr>
-            <a:spLocks noGrp="1" noRot="1" noChangeAspect="1" noMove="1" noResize="1" noEditPoints="1" noAdjustHandles="1" noChangeArrowheads="1" noChangeShapeType="1" noTextEdit="1"/>
-          </p:cNvSpPr>
-          <p:nvPr>
-            <p:extLst>
-              <p:ext uri="{386F3935-93C4-4BCD-93E2-E3B085C9AB24}">
-                <p16:designElem xmlns:p16="http://schemas.microsoft.com/office/powerpoint/2015/main" val="1"/>
-              </p:ext>
-            </p:extLst>
-          </p:nvPr>
-        </p:nvSpPr>
-        <p:spPr>
-          <a:xfrm rot="2700000">
-            <a:off x="9629823" y="5457591"/>
-            <a:ext cx="2231794" cy="2568811"/>
-          </a:xfrm>
-          <a:custGeom>
-            <a:avLst/>
-            <a:gdLst>
-              <a:gd name="connsiteX0" fmla="*/ 0 w 2940086"/>
-              <a:gd name="connsiteY0" fmla="*/ 0 h 3384061"/>
-              <a:gd name="connsiteX1" fmla="*/ 2496112 w 2940086"/>
-              <a:gd name="connsiteY1" fmla="*/ 0 h 3384061"/>
-              <a:gd name="connsiteX2" fmla="*/ 2940086 w 2940086"/>
-              <a:gd name="connsiteY2" fmla="*/ 443975 h 3384061"/>
-              <a:gd name="connsiteX3" fmla="*/ 0 w 2940086"/>
-              <a:gd name="connsiteY3" fmla="*/ 3384061 h 3384061"/>
-            </a:gdLst>
-            <a:ahLst/>
-            <a:cxnLst>
-              <a:cxn ang="0">
-                <a:pos x="connsiteX0" y="connsiteY0"/>
-              </a:cxn>
-              <a:cxn ang="0">
-                <a:pos x="connsiteX1" y="connsiteY1"/>
-              </a:cxn>
-              <a:cxn ang="0">
-                <a:pos x="connsiteX2" y="connsiteY2"/>
-              </a:cxn>
-              <a:cxn ang="0">
-                <a:pos x="connsiteX3" y="connsiteY3"/>
-              </a:cxn>
-            </a:cxnLst>
-            <a:rect l="l" t="t" r="r" b="b"/>
-            <a:pathLst>
-              <a:path w="2940086" h="3384061">
-                <a:moveTo>
-                  <a:pt x="0" y="0"/>
-                </a:moveTo>
-                <a:lnTo>
-                  <a:pt x="2496112" y="0"/>
-                </a:lnTo>
-                <a:lnTo>
-                  <a:pt x="2940086" y="443975"/>
-                </a:lnTo>
-                <a:lnTo>
-                  <a:pt x="0" y="3384061"/>
-                </a:lnTo>
-                <a:close/>
-              </a:path>
-            </a:pathLst>
-          </a:custGeom>
-          <a:solidFill>
-            <a:schemeClr val="accent4">
-              <a:alpha val="40000"/>
-            </a:schemeClr>
-          </a:solidFill>
-          <a:ln>
-            <a:noFill/>
-          </a:ln>
-        </p:spPr>
-        <p:style>
-          <a:lnRef idx="2">
-            <a:schemeClr val="accent1">
-              <a:shade val="50000"/>
-            </a:schemeClr>
-          </a:lnRef>
-          <a:fillRef idx="1">
-            <a:schemeClr val="accent1"/>
-          </a:fillRef>
-          <a:effectRef idx="0">
-            <a:schemeClr val="accent1"/>
-          </a:effectRef>
-          <a:fontRef idx="minor">
-            <a:schemeClr val="lt1"/>
-          </a:fontRef>
-        </p:style>
-        <p:txBody>
-          <a:bodyPr wrap="square" rtlCol="0" anchor="ctr">
-            <a:noAutofit/>
-          </a:bodyPr>
-          <a:lstStyle/>
-          <a:p>
-            <a:pPr algn="ctr"/>
-            <a:endParaRPr lang="en-US"/>
-          </a:p>
-        </p:txBody>
-      </p:sp>
-      <p:sp>
-        <p:nvSpPr>
-          <p:cNvPr id="27" name="Rectangle 26">
-            <a:extLst>
-              <a:ext uri="{FF2B5EF4-FFF2-40B4-BE49-F238E27FC236}">
-                <a16:creationId xmlns:a16="http://schemas.microsoft.com/office/drawing/2014/main" id="{15E3C750-986E-4769-B1AE-49289FBEE757}"/>
-              </a:ext>
-              <a:ext uri="{C183D7F6-B498-43B3-948B-1728B52AA6E4}">
-                <adec:decorative xmlns:adec="http://schemas.microsoft.com/office/drawing/2017/decorative" val="1"/>
-              </a:ext>
-            </a:extLst>
-          </p:cNvPr>
-          <p:cNvSpPr>
-            <a:spLocks noGrp="1" noRot="1" noChangeAspect="1" noMove="1" noResize="1" noEditPoints="1" noAdjustHandles="1" noChangeArrowheads="1" noChangeShapeType="1" noTextEdit="1"/>
-          </p:cNvSpPr>
-          <p:nvPr>
-            <p:extLst>
-              <p:ext uri="{386F3935-93C4-4BCD-93E2-E3B085C9AB24}">
-                <p16:designElem xmlns:p16="http://schemas.microsoft.com/office/powerpoint/2015/main" val="1"/>
-              </p:ext>
-            </p:extLst>
-          </p:nvPr>
-        </p:nvSpPr>
-        <p:spPr>
-          <a:xfrm rot="2700000">
-            <a:off x="9720059" y="5243545"/>
-            <a:ext cx="959985" cy="959985"/>
-          </a:xfrm>
-          <a:prstGeom prst="rect">
-            <a:avLst/>
-          </a:prstGeom>
-          <a:solidFill>
-            <a:schemeClr val="accent4">
-              <a:alpha val="40000"/>
-            </a:schemeClr>
-          </a:solidFill>
-          <a:ln>
-            <a:noFill/>
-          </a:ln>
-        </p:spPr>
-        <p:style>
-          <a:lnRef idx="2">
-            <a:schemeClr val="accent1">
-              <a:shade val="50000"/>
-            </a:schemeClr>
-          </a:lnRef>
-          <a:fillRef idx="1">
-            <a:schemeClr val="accent1"/>
-          </a:fillRef>
-          <a:effectRef idx="0">
-            <a:schemeClr val="accent1"/>
-          </a:effectRef>
-          <a:fontRef idx="minor">
-            <a:schemeClr val="lt1"/>
-          </a:fontRef>
-        </p:style>
-        <p:txBody>
-          <a:bodyPr wrap="square" rtlCol="0" anchor="ctr">
-            <a:noAutofit/>
-          </a:bodyPr>
-          <a:lstStyle/>
-          <a:p>
-            <a:pPr algn="ctr"/>
-            <a:endParaRPr lang="en-US"/>
+            <a:endParaRPr lang="it-IT" sz="3600"/>
           </a:p>
         </p:txBody>
       </p:sp>
@@ -4642,12 +3747,12 @@
           <a:chExt cx="0" cy="0"/>
         </a:xfrm>
       </p:grpSpPr>
-      <p:sp>
-        <p:nvSpPr>
-          <p:cNvPr id="22" name="Rectangle 10">
-            <a:extLst>
-              <a:ext uri="{FF2B5EF4-FFF2-40B4-BE49-F238E27FC236}">
-                <a16:creationId xmlns:a16="http://schemas.microsoft.com/office/drawing/2014/main" id="{46D6306C-ED4F-4AAE-B4A5-EEA6AFAD726E}"/>
+      <p:sp useBgFill="1">
+        <p:nvSpPr>
+          <p:cNvPr id="32" name="Rectangle 31">
+            <a:extLst>
+              <a:ext uri="{FF2B5EF4-FFF2-40B4-BE49-F238E27FC236}">
+                <a16:creationId xmlns:a16="http://schemas.microsoft.com/office/drawing/2014/main" id="{3AD318CC-E2A8-4E27-9548-A047A78999B1}"/>
               </a:ext>
               <a:ext uri="{C183D7F6-B498-43B3-948B-1728B52AA6E4}">
                 <adec:decorative xmlns:adec="http://schemas.microsoft.com/office/drawing/2017/decorative" val="1"/>
@@ -4668,14 +3773,11 @@
         <p:spPr>
           <a:xfrm>
             <a:off x="0" y="0"/>
-            <a:ext cx="12192000" cy="6858000"/>
+            <a:ext cx="12191999" cy="6857365"/>
           </a:xfrm>
           <a:prstGeom prst="rect">
             <a:avLst/>
           </a:prstGeom>
-          <a:solidFill>
-            <a:schemeClr val="bg1"/>
-          </a:solidFill>
           <a:ln>
             <a:noFill/>
           </a:ln>
@@ -4701,7 +3803,7 @@
           <a:lstStyle/>
           <a:p>
             <a:pPr algn="ctr"/>
-            <a:endParaRPr lang="en-US" dirty="0"/>
+            <a:endParaRPr lang="en-US"/>
           </a:p>
         </p:txBody>
       </p:sp>
@@ -4723,8 +3825,8 @@
         </p:nvSpPr>
         <p:spPr>
           <a:xfrm>
-            <a:off x="643467" y="1698171"/>
-            <a:ext cx="3962061" cy="4516360"/>
+            <a:off x="645065" y="1463040"/>
+            <a:ext cx="3796306" cy="2690949"/>
           </a:xfrm>
         </p:spPr>
         <p:txBody>
@@ -4734,7 +3836,7 @@
           <a:lstStyle/>
           <a:p>
             <a:r>
-              <a:rPr lang="en-US" sz="3600" kern="1200">
+              <a:rPr lang="en-US" sz="4800" kern="1200">
                 <a:solidFill>
                   <a:schemeClr val="tx1"/>
                 </a:solidFill>
@@ -4747,21 +3849,21 @@
           </a:p>
         </p:txBody>
       </p:sp>
-      <p:sp>
-        <p:nvSpPr>
-          <p:cNvPr id="24" name="Rectangle 12">
-            <a:extLst>
-              <a:ext uri="{FF2B5EF4-FFF2-40B4-BE49-F238E27FC236}">
-                <a16:creationId xmlns:a16="http://schemas.microsoft.com/office/drawing/2014/main" id="{0EC5361D-F897-4856-B945-0455A365EB24}"/>
+      <p:grpSp>
+        <p:nvGrpSpPr>
+          <p:cNvPr id="34" name="Group 33">
+            <a:extLst>
+              <a:ext uri="{FF2B5EF4-FFF2-40B4-BE49-F238E27FC236}">
+                <a16:creationId xmlns:a16="http://schemas.microsoft.com/office/drawing/2014/main" id="{B14B560F-9DD7-4302-A60B-EBD3EF59B073}"/>
               </a:ext>
               <a:ext uri="{C183D7F6-B498-43B3-948B-1728B52AA6E4}">
                 <adec:decorative xmlns:adec="http://schemas.microsoft.com/office/drawing/2017/decorative" val="1"/>
               </a:ext>
             </a:extLst>
           </p:cNvPr>
-          <p:cNvSpPr>
-            <a:spLocks noGrp="1" noRot="1" noChangeAspect="1" noMove="1" noResize="1" noEditPoints="1" noAdjustHandles="1" noChangeArrowheads="1" noChangeShapeType="1" noTextEdit="1"/>
-          </p:cNvSpPr>
+          <p:cNvGrpSpPr>
+            <a:grpSpLocks noGrp="1" noUngrp="1" noRot="1" noChangeAspect="1" noMove="1" noResize="1"/>
+          </p:cNvGrpSpPr>
           <p:nvPr>
             <p:extLst>
               <p:ext uri="{386F3935-93C4-4BCD-93E2-E3B085C9AB24}">
@@ -4769,23 +3871,173 @@
               </p:ext>
             </p:extLst>
           </p:nvPr>
+        </p:nvGrpSpPr>
+        <p:grpSpPr>
+          <a:xfrm>
+            <a:off x="209667" y="4415246"/>
+            <a:ext cx="11982332" cy="2087795"/>
+            <a:chOff x="143163" y="5763486"/>
+            <a:chExt cx="11982332" cy="739555"/>
+          </a:xfrm>
+        </p:grpSpPr>
+        <p:sp>
+          <p:nvSpPr>
+            <p:cNvPr id="35" name="Rectangle 34">
+              <a:extLst>
+                <a:ext uri="{FF2B5EF4-FFF2-40B4-BE49-F238E27FC236}">
+                  <a16:creationId xmlns:a16="http://schemas.microsoft.com/office/drawing/2014/main" id="{3A9A4357-BD1D-4622-A4FE-766E6AB8DE84}"/>
+                </a:ext>
+                <a:ext uri="{C183D7F6-B498-43B3-948B-1728B52AA6E4}">
+                  <adec:decorative xmlns:adec="http://schemas.microsoft.com/office/drawing/2017/decorative" val="1"/>
+                </a:ext>
+              </a:extLst>
+            </p:cNvPr>
+            <p:cNvSpPr/>
+            <p:nvPr>
+              <p:extLst>
+                <p:ext uri="{386F3935-93C4-4BCD-93E2-E3B085C9AB24}">
+                  <p16:designElem xmlns:p16="http://schemas.microsoft.com/office/powerpoint/2015/main" val="1"/>
+                </p:ext>
+              </p:extLst>
+            </p:nvPr>
+          </p:nvSpPr>
+          <p:spPr>
+            <a:xfrm flipH="1" flipV="1">
+              <a:off x="357444" y="5763486"/>
+              <a:ext cx="11768051" cy="739555"/>
+            </a:xfrm>
+            <a:prstGeom prst="rect">
+              <a:avLst/>
+            </a:prstGeom>
+            <a:solidFill>
+              <a:schemeClr val="accent4"/>
+            </a:solidFill>
+            <a:ln>
+              <a:noFill/>
+            </a:ln>
+          </p:spPr>
+          <p:style>
+            <a:lnRef idx="2">
+              <a:schemeClr val="accent1">
+                <a:shade val="50000"/>
+              </a:schemeClr>
+            </a:lnRef>
+            <a:fillRef idx="1">
+              <a:schemeClr val="accent1"/>
+            </a:fillRef>
+            <a:effectRef idx="0">
+              <a:schemeClr val="accent1"/>
+            </a:effectRef>
+            <a:fontRef idx="minor">
+              <a:schemeClr val="lt1"/>
+            </a:fontRef>
+          </p:style>
+          <p:txBody>
+            <a:bodyPr rtlCol="0" anchor="ctr"/>
+            <a:lstStyle/>
+            <a:p>
+              <a:pPr algn="ctr"/>
+              <a:endParaRPr lang="en-US"/>
+            </a:p>
+          </p:txBody>
+        </p:sp>
+        <p:cxnSp>
+          <p:nvCxnSpPr>
+            <p:cNvPr id="36" name="Straight Connector 35">
+              <a:extLst>
+                <a:ext uri="{FF2B5EF4-FFF2-40B4-BE49-F238E27FC236}">
+                  <a16:creationId xmlns:a16="http://schemas.microsoft.com/office/drawing/2014/main" id="{C21D6966-343E-49AC-A026-D2497E0C3CA1}"/>
+                </a:ext>
+                <a:ext uri="{C183D7F6-B498-43B3-948B-1728B52AA6E4}">
+                  <adec:decorative xmlns:adec="http://schemas.microsoft.com/office/drawing/2017/decorative" val="1"/>
+                </a:ext>
+              </a:extLst>
+            </p:cNvPr>
+            <p:cNvCxnSpPr>
+              <a:cxnSpLocks/>
+            </p:cNvCxnSpPr>
+            <p:nvPr>
+              <p:extLst>
+                <p:ext uri="{386F3935-93C4-4BCD-93E2-E3B085C9AB24}">
+                  <p16:designElem xmlns:p16="http://schemas.microsoft.com/office/powerpoint/2015/main" val="1"/>
+                </p:ext>
+              </p:extLst>
+            </p:nvPr>
+          </p:nvCxnSpPr>
+          <p:spPr>
+            <a:xfrm flipH="1">
+              <a:off x="143163" y="5763486"/>
+              <a:ext cx="1" cy="739555"/>
+            </a:xfrm>
+            <a:prstGeom prst="line">
+              <a:avLst/>
+            </a:prstGeom>
+            <a:ln w="177800">
+              <a:solidFill>
+                <a:schemeClr val="accent4"/>
+              </a:solidFill>
+            </a:ln>
+          </p:spPr>
+          <p:style>
+            <a:lnRef idx="1">
+              <a:schemeClr val="accent1"/>
+            </a:lnRef>
+            <a:fillRef idx="0">
+              <a:schemeClr val="accent1"/>
+            </a:fillRef>
+            <a:effectRef idx="0">
+              <a:schemeClr val="accent1"/>
+            </a:effectRef>
+            <a:fontRef idx="minor">
+              <a:schemeClr val="tx1"/>
+            </a:fontRef>
+          </p:style>
+        </p:cxnSp>
+      </p:grpSp>
+      <p:sp>
+        <p:nvSpPr>
+          <p:cNvPr id="38" name="Rectangle 37">
+            <a:extLst>
+              <a:ext uri="{FF2B5EF4-FFF2-40B4-BE49-F238E27FC236}">
+                <a16:creationId xmlns:a16="http://schemas.microsoft.com/office/drawing/2014/main" id="{2C1BBA94-3F40-40AA-8BB9-E69E25E537C1}"/>
+              </a:ext>
+              <a:ext uri="{C183D7F6-B498-43B3-948B-1728B52AA6E4}">
+                <adec:decorative xmlns:adec="http://schemas.microsoft.com/office/drawing/2017/decorative" val="1"/>
+              </a:ext>
+            </a:extLst>
+          </p:cNvPr>
+          <p:cNvSpPr>
+            <a:spLocks noGrp="1" noRot="1" noChangeAspect="1" noMove="1" noResize="1" noEditPoints="1" noAdjustHandles="1" noChangeArrowheads="1" noChangeShapeType="1" noTextEdit="1"/>
+          </p:cNvSpPr>
+          <p:nvPr>
+            <p:extLst>
+              <p:ext uri="{386F3935-93C4-4BCD-93E2-E3B085C9AB24}">
+                <p16:designElem xmlns:p16="http://schemas.microsoft.com/office/powerpoint/2015/main" val="1"/>
+              </p:ext>
+            </p:extLst>
+          </p:nvPr>
         </p:nvSpPr>
         <p:spPr>
-          <a:xfrm rot="2700000">
-            <a:off x="415435" y="655140"/>
-            <a:ext cx="687472" cy="687472"/>
+          <a:xfrm>
+            <a:off x="5133706" y="587829"/>
+            <a:ext cx="6505300" cy="5682342"/>
           </a:xfrm>
           <a:prstGeom prst="rect">
             <a:avLst/>
           </a:prstGeom>
           <a:solidFill>
-            <a:schemeClr val="accent4">
-              <a:alpha val="30000"/>
-            </a:schemeClr>
+            <a:schemeClr val="bg1"/>
           </a:solidFill>
           <a:ln>
             <a:noFill/>
           </a:ln>
+          <a:effectLst>
+            <a:outerShdw blurRad="139700" dist="127000" dir="5400000" algn="t" rotWithShape="0">
+              <a:prstClr val="black">
+                <a:alpha val="15000"/>
+              </a:prstClr>
+            </a:outerShdw>
+          </a:effectLst>
         </p:spPr>
         <p:style>
           <a:lnRef idx="2">
@@ -4814,301 +4066,6 @@
       </p:sp>
       <p:sp>
         <p:nvSpPr>
-          <p:cNvPr id="25" name="Freeform: Shape 14">
-            <a:extLst>
-              <a:ext uri="{FF2B5EF4-FFF2-40B4-BE49-F238E27FC236}">
-                <a16:creationId xmlns:a16="http://schemas.microsoft.com/office/drawing/2014/main" id="{4508C0C5-2268-42B5-B3C8-4D0899E05F8C}"/>
-              </a:ext>
-              <a:ext uri="{C183D7F6-B498-43B3-948B-1728B52AA6E4}">
-                <adec:decorative xmlns:adec="http://schemas.microsoft.com/office/drawing/2017/decorative" val="1"/>
-              </a:ext>
-            </a:extLst>
-          </p:cNvPr>
-          <p:cNvSpPr>
-            <a:spLocks noGrp="1" noRot="1" noChangeAspect="1" noMove="1" noResize="1" noEditPoints="1" noAdjustHandles="1" noChangeArrowheads="1" noChangeShapeType="1" noTextEdit="1"/>
-          </p:cNvSpPr>
-          <p:nvPr>
-            <p:extLst>
-              <p:ext uri="{386F3935-93C4-4BCD-93E2-E3B085C9AB24}">
-                <p16:designElem xmlns:p16="http://schemas.microsoft.com/office/powerpoint/2015/main" val="1"/>
-              </p:ext>
-            </p:extLst>
-          </p:nvPr>
-        </p:nvSpPr>
-        <p:spPr>
-          <a:xfrm rot="10800000">
-            <a:off x="0" y="0"/>
-            <a:ext cx="2835357" cy="1480837"/>
-          </a:xfrm>
-          <a:custGeom>
-            <a:avLst/>
-            <a:gdLst>
-              <a:gd name="connsiteX0" fmla="*/ 2835357 w 2835357"/>
-              <a:gd name="connsiteY0" fmla="*/ 1480837 h 1480837"/>
-              <a:gd name="connsiteX1" fmla="*/ 0 w 2835357"/>
-              <a:gd name="connsiteY1" fmla="*/ 1480837 h 1480837"/>
-              <a:gd name="connsiteX2" fmla="*/ 1552727 w 2835357"/>
-              <a:gd name="connsiteY2" fmla="*/ 0 h 1480837"/>
-              <a:gd name="connsiteX3" fmla="*/ 2835357 w 2835357"/>
-              <a:gd name="connsiteY3" fmla="*/ 1223245 h 1480837"/>
-            </a:gdLst>
-            <a:ahLst/>
-            <a:cxnLst>
-              <a:cxn ang="0">
-                <a:pos x="connsiteX0" y="connsiteY0"/>
-              </a:cxn>
-              <a:cxn ang="0">
-                <a:pos x="connsiteX1" y="connsiteY1"/>
-              </a:cxn>
-              <a:cxn ang="0">
-                <a:pos x="connsiteX2" y="connsiteY2"/>
-              </a:cxn>
-              <a:cxn ang="0">
-                <a:pos x="connsiteX3" y="connsiteY3"/>
-              </a:cxn>
-            </a:cxnLst>
-            <a:rect l="l" t="t" r="r" b="b"/>
-            <a:pathLst>
-              <a:path w="2835357" h="1480837">
-                <a:moveTo>
-                  <a:pt x="2835357" y="1480837"/>
-                </a:moveTo>
-                <a:lnTo>
-                  <a:pt x="0" y="1480837"/>
-                </a:lnTo>
-                <a:lnTo>
-                  <a:pt x="1552727" y="0"/>
-                </a:lnTo>
-                <a:lnTo>
-                  <a:pt x="2835357" y="1223245"/>
-                </a:lnTo>
-                <a:close/>
-              </a:path>
-            </a:pathLst>
-          </a:custGeom>
-          <a:solidFill>
-            <a:schemeClr val="accent4">
-              <a:alpha val="30000"/>
-            </a:schemeClr>
-          </a:solidFill>
-          <a:ln>
-            <a:noFill/>
-          </a:ln>
-        </p:spPr>
-        <p:style>
-          <a:lnRef idx="2">
-            <a:schemeClr val="accent1">
-              <a:shade val="50000"/>
-            </a:schemeClr>
-          </a:lnRef>
-          <a:fillRef idx="1">
-            <a:schemeClr val="accent1"/>
-          </a:fillRef>
-          <a:effectRef idx="0">
-            <a:schemeClr val="accent1"/>
-          </a:effectRef>
-          <a:fontRef idx="minor">
-            <a:schemeClr val="lt1"/>
-          </a:fontRef>
-        </p:style>
-        <p:txBody>
-          <a:bodyPr wrap="square" rtlCol="0" anchor="ctr">
-            <a:noAutofit/>
-          </a:bodyPr>
-          <a:lstStyle/>
-          <a:p>
-            <a:pPr algn="ctr"/>
-            <a:endParaRPr lang="en-US" dirty="0"/>
-          </a:p>
-        </p:txBody>
-      </p:sp>
-      <p:sp>
-        <p:nvSpPr>
-          <p:cNvPr id="26" name="Freeform: Shape 16">
-            <a:extLst>
-              <a:ext uri="{FF2B5EF4-FFF2-40B4-BE49-F238E27FC236}">
-                <a16:creationId xmlns:a16="http://schemas.microsoft.com/office/drawing/2014/main" id="{141ACBDB-38F8-4B34-8183-BD95B4E55A62}"/>
-              </a:ext>
-              <a:ext uri="{C183D7F6-B498-43B3-948B-1728B52AA6E4}">
-                <adec:decorative xmlns:adec="http://schemas.microsoft.com/office/drawing/2017/decorative" val="1"/>
-              </a:ext>
-            </a:extLst>
-          </p:cNvPr>
-          <p:cNvSpPr>
-            <a:spLocks noGrp="1" noRot="1" noChangeAspect="1" noMove="1" noResize="1" noEditPoints="1" noAdjustHandles="1" noChangeArrowheads="1" noChangeShapeType="1" noTextEdit="1"/>
-          </p:cNvSpPr>
-          <p:nvPr>
-            <p:extLst>
-              <p:ext uri="{386F3935-93C4-4BCD-93E2-E3B085C9AB24}">
-                <p16:designElem xmlns:p16="http://schemas.microsoft.com/office/powerpoint/2015/main" val="1"/>
-              </p:ext>
-            </p:extLst>
-          </p:nvPr>
-        </p:nvSpPr>
-        <p:spPr>
-          <a:xfrm rot="2700000">
-            <a:off x="10739327" y="-253670"/>
-            <a:ext cx="1827638" cy="1376989"/>
-          </a:xfrm>
-          <a:custGeom>
-            <a:avLst/>
-            <a:gdLst>
-              <a:gd name="connsiteX0" fmla="*/ 0 w 1827638"/>
-              <a:gd name="connsiteY0" fmla="*/ 987379 h 1376989"/>
-              <a:gd name="connsiteX1" fmla="*/ 987379 w 1827638"/>
-              <a:gd name="connsiteY1" fmla="*/ 0 h 1376989"/>
-              <a:gd name="connsiteX2" fmla="*/ 1827638 w 1827638"/>
-              <a:gd name="connsiteY2" fmla="*/ 840260 h 1376989"/>
-              <a:gd name="connsiteX3" fmla="*/ 1827638 w 1827638"/>
-              <a:gd name="connsiteY3" fmla="*/ 1376989 h 1376989"/>
-              <a:gd name="connsiteX4" fmla="*/ 0 w 1827638"/>
-              <a:gd name="connsiteY4" fmla="*/ 1376989 h 1376989"/>
-            </a:gdLst>
-            <a:ahLst/>
-            <a:cxnLst>
-              <a:cxn ang="0">
-                <a:pos x="connsiteX0" y="connsiteY0"/>
-              </a:cxn>
-              <a:cxn ang="0">
-                <a:pos x="connsiteX1" y="connsiteY1"/>
-              </a:cxn>
-              <a:cxn ang="0">
-                <a:pos x="connsiteX2" y="connsiteY2"/>
-              </a:cxn>
-              <a:cxn ang="0">
-                <a:pos x="connsiteX3" y="connsiteY3"/>
-              </a:cxn>
-              <a:cxn ang="0">
-                <a:pos x="connsiteX4" y="connsiteY4"/>
-              </a:cxn>
-            </a:cxnLst>
-            <a:rect l="l" t="t" r="r" b="b"/>
-            <a:pathLst>
-              <a:path w="1827638" h="1376989">
-                <a:moveTo>
-                  <a:pt x="0" y="987379"/>
-                </a:moveTo>
-                <a:lnTo>
-                  <a:pt x="987379" y="0"/>
-                </a:lnTo>
-                <a:lnTo>
-                  <a:pt x="1827638" y="840260"/>
-                </a:lnTo>
-                <a:lnTo>
-                  <a:pt x="1827638" y="1376989"/>
-                </a:lnTo>
-                <a:lnTo>
-                  <a:pt x="0" y="1376989"/>
-                </a:lnTo>
-                <a:close/>
-              </a:path>
-            </a:pathLst>
-          </a:custGeom>
-          <a:solidFill>
-            <a:schemeClr val="accent1">
-              <a:alpha val="30000"/>
-            </a:schemeClr>
-          </a:solidFill>
-          <a:ln>
-            <a:noFill/>
-          </a:ln>
-        </p:spPr>
-        <p:style>
-          <a:lnRef idx="2">
-            <a:schemeClr val="accent1">
-              <a:shade val="50000"/>
-            </a:schemeClr>
-          </a:lnRef>
-          <a:fillRef idx="1">
-            <a:schemeClr val="accent1"/>
-          </a:fillRef>
-          <a:effectRef idx="0">
-            <a:schemeClr val="accent1"/>
-          </a:effectRef>
-          <a:fontRef idx="minor">
-            <a:schemeClr val="lt1"/>
-          </a:fontRef>
-        </p:style>
-        <p:txBody>
-          <a:bodyPr wrap="square" rtlCol="0" anchor="ctr">
-            <a:noAutofit/>
-          </a:bodyPr>
-          <a:lstStyle/>
-          <a:p>
-            <a:pPr algn="ctr"/>
-            <a:endParaRPr lang="en-US" dirty="0"/>
-          </a:p>
-        </p:txBody>
-      </p:sp>
-      <p:sp>
-        <p:nvSpPr>
-          <p:cNvPr id="27" name="Rectangle 18">
-            <a:extLst>
-              <a:ext uri="{FF2B5EF4-FFF2-40B4-BE49-F238E27FC236}">
-                <a16:creationId xmlns:a16="http://schemas.microsoft.com/office/drawing/2014/main" id="{DE00DB52-3455-4E2F-867B-A6D0516E175B}"/>
-              </a:ext>
-              <a:ext uri="{C183D7F6-B498-43B3-948B-1728B52AA6E4}">
-                <adec:decorative xmlns:adec="http://schemas.microsoft.com/office/drawing/2017/decorative" val="1"/>
-              </a:ext>
-            </a:extLst>
-          </p:cNvPr>
-          <p:cNvSpPr>
-            <a:spLocks noGrp="1" noRot="1" noChangeAspect="1" noMove="1" noResize="1" noEditPoints="1" noAdjustHandles="1" noChangeArrowheads="1" noChangeShapeType="1" noTextEdit="1"/>
-          </p:cNvSpPr>
-          <p:nvPr>
-            <p:extLst>
-              <p:ext uri="{386F3935-93C4-4BCD-93E2-E3B085C9AB24}">
-                <p16:designElem xmlns:p16="http://schemas.microsoft.com/office/powerpoint/2015/main" val="1"/>
-              </p:ext>
-            </p:extLst>
-          </p:nvPr>
-        </p:nvSpPr>
-        <p:spPr>
-          <a:xfrm rot="2700000">
-            <a:off x="10653800" y="422146"/>
-            <a:ext cx="645368" cy="645368"/>
-          </a:xfrm>
-          <a:prstGeom prst="rect">
-            <a:avLst/>
-          </a:prstGeom>
-          <a:solidFill>
-            <a:schemeClr val="accent1">
-              <a:alpha val="30000"/>
-            </a:schemeClr>
-          </a:solidFill>
-          <a:ln>
-            <a:noFill/>
-          </a:ln>
-        </p:spPr>
-        <p:style>
-          <a:lnRef idx="2">
-            <a:schemeClr val="accent1">
-              <a:shade val="50000"/>
-            </a:schemeClr>
-          </a:lnRef>
-          <a:fillRef idx="1">
-            <a:schemeClr val="accent1"/>
-          </a:fillRef>
-          <a:effectRef idx="0">
-            <a:schemeClr val="accent1"/>
-          </a:effectRef>
-          <a:fontRef idx="minor">
-            <a:schemeClr val="lt1"/>
-          </a:fontRef>
-        </p:style>
-        <p:txBody>
-          <a:bodyPr wrap="square" rtlCol="0" anchor="ctr">
-            <a:noAutofit/>
-          </a:bodyPr>
-          <a:lstStyle/>
-          <a:p>
-            <a:pPr algn="ctr"/>
-            <a:endParaRPr lang="en-US"/>
-          </a:p>
-        </p:txBody>
-      </p:sp>
-      <p:sp>
-        <p:nvSpPr>
           <p:cNvPr id="6" name="TextBox 5">
             <a:extLst>
               <a:ext uri="{FF2B5EF4-FFF2-40B4-BE49-F238E27FC236}">
@@ -5121,15 +4078,15 @@
         </p:nvSpPr>
         <p:spPr>
           <a:xfrm>
-            <a:off x="5070020" y="1698170"/>
-            <a:ext cx="6478513" cy="4516361"/>
+            <a:off x="5656218" y="1463039"/>
+            <a:ext cx="5542387" cy="4300447"/>
           </a:xfrm>
           <a:prstGeom prst="rect">
             <a:avLst/>
           </a:prstGeom>
         </p:spPr>
         <p:txBody>
-          <a:bodyPr vert="horz" lIns="91440" tIns="45720" rIns="91440" bIns="45720" rtlCol="0">
+          <a:bodyPr vert="horz" lIns="91440" tIns="45720" rIns="91440" bIns="45720" rtlCol="0" anchor="t">
             <a:normAutofit/>
           </a:bodyPr>
           <a:lstStyle/>
@@ -5145,7 +4102,7 @@
               <a:buChar char="•"/>
             </a:pPr>
             <a:r>
-              <a:rPr lang="en-US" sz="2000" b="0" i="0" u="none" strike="noStrike" baseline="0"/>
+              <a:rPr lang="en-US" sz="2200" b="0" i="0" u="none" strike="noStrike" baseline="0"/>
               <a:t>Tools of network medicine to explore the molecular complexity of a diseases are emerging.</a:t>
             </a:r>
           </a:p>
@@ -5160,7 +4117,7 @@
               <a:buFont typeface="Arial" panose="020B0604020202020204" pitchFamily="34" charset="0"/>
               <a:buChar char="•"/>
             </a:pPr>
-            <a:endParaRPr lang="en-US" sz="2000"/>
+            <a:endParaRPr lang="en-US" sz="2200"/>
           </a:p>
           <a:p>
             <a:pPr marL="285750" indent="-228600">
@@ -5174,11 +4131,11 @@
               <a:buChar char="•"/>
             </a:pPr>
             <a:r>
-              <a:rPr lang="en-US" sz="2000"/>
+              <a:rPr lang="en-US" sz="2200"/>
               <a:t>E</a:t>
             </a:r>
             <a:r>
-              <a:rPr lang="en-US" sz="2000" b="0" i="0" u="none" strike="noStrike" baseline="0"/>
+              <a:rPr lang="en-US" sz="2200" b="0" i="0" u="none" strike="noStrike" baseline="0"/>
               <a:t>ssential for identifying: new disease genes, disease-associated mutations, drug targets and biomarkers for complex diseases.</a:t>
             </a:r>
           </a:p>
@@ -5193,7 +4150,7 @@
               <a:buFont typeface="Arial" panose="020B0604020202020204" pitchFamily="34" charset="0"/>
               <a:buChar char="•"/>
             </a:pPr>
-            <a:endParaRPr lang="en-US" sz="2000"/>
+            <a:endParaRPr lang="en-US" sz="2200"/>
           </a:p>
           <a:p>
             <a:pPr marL="285750" indent="-228600">
@@ -5207,152 +4164,18 @@
               <a:buChar char="•"/>
             </a:pPr>
             <a:r>
-              <a:rPr lang="en-US" sz="2000" b="0" i="0" u="none" strike="noStrike" baseline="0"/>
+              <a:rPr lang="en-US" sz="2200" b="0" i="0" u="none" strike="noStrike" baseline="0"/>
               <a:t>Goal: </a:t>
             </a:r>
             <a:r>
-              <a:rPr lang="en-US" sz="2000"/>
+              <a:rPr lang="en-US" sz="2200"/>
               <a:t>P</a:t>
             </a:r>
             <a:r>
-              <a:rPr lang="en-US" sz="2000" b="0" i="0" u="none" strike="noStrike" baseline="0"/>
+              <a:rPr lang="en-US" sz="2200" b="0" i="0" u="none" strike="noStrike" baseline="0"/>
               <a:t>rovide an interactive visual system to navigate and process huge amount of network medicine data.</a:t>
             </a:r>
-            <a:endParaRPr lang="en-US" sz="2000"/>
-          </a:p>
-        </p:txBody>
-      </p:sp>
-      <p:sp>
-        <p:nvSpPr>
-          <p:cNvPr id="21" name="Isosceles Triangle 20">
-            <a:extLst>
-              <a:ext uri="{FF2B5EF4-FFF2-40B4-BE49-F238E27FC236}">
-                <a16:creationId xmlns:a16="http://schemas.microsoft.com/office/drawing/2014/main" id="{9E914C83-E0D8-4953-92D5-169D28CB43AE}"/>
-              </a:ext>
-              <a:ext uri="{C183D7F6-B498-43B3-948B-1728B52AA6E4}">
-                <adec:decorative xmlns:adec="http://schemas.microsoft.com/office/drawing/2017/decorative" val="1"/>
-              </a:ext>
-            </a:extLst>
-          </p:cNvPr>
-          <p:cNvSpPr>
-            <a:spLocks noGrp="1" noRot="1" noChangeAspect="1" noMove="1" noResize="1" noEditPoints="1" noAdjustHandles="1" noChangeArrowheads="1" noChangeShapeType="1" noTextEdit="1"/>
-          </p:cNvSpPr>
-          <p:nvPr>
-            <p:extLst>
-              <p:ext uri="{386F3935-93C4-4BCD-93E2-E3B085C9AB24}">
-                <p16:designElem xmlns:p16="http://schemas.microsoft.com/office/powerpoint/2015/main" val="1"/>
-              </p:ext>
-            </p:extLst>
-          </p:nvPr>
-        </p:nvSpPr>
-        <p:spPr>
-          <a:xfrm>
-            <a:off x="8115423" y="6115501"/>
-            <a:ext cx="1494513" cy="742499"/>
-          </a:xfrm>
-          <a:prstGeom prst="triangle">
-            <a:avLst/>
-          </a:prstGeom>
-          <a:solidFill>
-            <a:schemeClr val="accent1">
-              <a:alpha val="30000"/>
-            </a:schemeClr>
-          </a:solidFill>
-          <a:ln>
-            <a:noFill/>
-          </a:ln>
-        </p:spPr>
-        <p:style>
-          <a:lnRef idx="2">
-            <a:schemeClr val="accent1">
-              <a:shade val="50000"/>
-            </a:schemeClr>
-          </a:lnRef>
-          <a:fillRef idx="1">
-            <a:schemeClr val="accent1"/>
-          </a:fillRef>
-          <a:effectRef idx="0">
-            <a:schemeClr val="accent1"/>
-          </a:effectRef>
-          <a:fontRef idx="minor">
-            <a:schemeClr val="lt1"/>
-          </a:fontRef>
-        </p:style>
-        <p:txBody>
-          <a:bodyPr wrap="square" rtlCol="0" anchor="ctr">
-            <a:noAutofit/>
-          </a:bodyPr>
-          <a:lstStyle/>
-          <a:p>
-            <a:pPr algn="ctr"/>
-            <a:endParaRPr lang="en-US"/>
-          </a:p>
-        </p:txBody>
-      </p:sp>
-      <p:sp>
-        <p:nvSpPr>
-          <p:cNvPr id="23" name="Isosceles Triangle 22">
-            <a:extLst>
-              <a:ext uri="{FF2B5EF4-FFF2-40B4-BE49-F238E27FC236}">
-                <a16:creationId xmlns:a16="http://schemas.microsoft.com/office/drawing/2014/main" id="{3512E083-F550-46AF-8490-767ECFD00CB7}"/>
-              </a:ext>
-              <a:ext uri="{C183D7F6-B498-43B3-948B-1728B52AA6E4}">
-                <adec:decorative xmlns:adec="http://schemas.microsoft.com/office/drawing/2017/decorative" val="1"/>
-              </a:ext>
-            </a:extLst>
-          </p:cNvPr>
-          <p:cNvSpPr>
-            <a:spLocks noGrp="1" noRot="1" noChangeAspect="1" noMove="1" noResize="1" noEditPoints="1" noAdjustHandles="1" noChangeArrowheads="1" noChangeShapeType="1" noTextEdit="1"/>
-          </p:cNvSpPr>
-          <p:nvPr>
-            <p:extLst>
-              <p:ext uri="{386F3935-93C4-4BCD-93E2-E3B085C9AB24}">
-                <p16:designElem xmlns:p16="http://schemas.microsoft.com/office/powerpoint/2015/main" val="1"/>
-              </p:ext>
-            </p:extLst>
-          </p:nvPr>
-        </p:nvSpPr>
-        <p:spPr>
-          <a:xfrm>
-            <a:off x="9167297" y="6453143"/>
-            <a:ext cx="814903" cy="404857"/>
-          </a:xfrm>
-          <a:prstGeom prst="triangle">
-            <a:avLst/>
-          </a:prstGeom>
-          <a:solidFill>
-            <a:schemeClr val="accent1">
-              <a:alpha val="30000"/>
-            </a:schemeClr>
-          </a:solidFill>
-          <a:ln>
-            <a:noFill/>
-          </a:ln>
-        </p:spPr>
-        <p:style>
-          <a:lnRef idx="2">
-            <a:schemeClr val="accent1">
-              <a:shade val="50000"/>
-            </a:schemeClr>
-          </a:lnRef>
-          <a:fillRef idx="1">
-            <a:schemeClr val="accent1"/>
-          </a:fillRef>
-          <a:effectRef idx="0">
-            <a:schemeClr val="accent1"/>
-          </a:effectRef>
-          <a:fontRef idx="minor">
-            <a:schemeClr val="lt1"/>
-          </a:fontRef>
-        </p:style>
-        <p:txBody>
-          <a:bodyPr wrap="square" rtlCol="0" anchor="ctr">
-            <a:noAutofit/>
-          </a:bodyPr>
-          <a:lstStyle/>
-          <a:p>
-            <a:pPr algn="ctr"/>
-            <a:endParaRPr lang="en-US"/>
+            <a:endParaRPr lang="en-US" sz="2200"/>
           </a:p>
         </p:txBody>
       </p:sp>
@@ -5394,12 +4217,12 @@
           <a:chExt cx="0" cy="0"/>
         </a:xfrm>
       </p:grpSpPr>
-      <p:sp>
-        <p:nvSpPr>
-          <p:cNvPr id="9" name="Rectangle 8">
-            <a:extLst>
-              <a:ext uri="{FF2B5EF4-FFF2-40B4-BE49-F238E27FC236}">
-                <a16:creationId xmlns:a16="http://schemas.microsoft.com/office/drawing/2014/main" id="{46D6306C-ED4F-4AAE-B4A5-EEA6AFAD726E}"/>
+      <p:sp useBgFill="1">
+        <p:nvSpPr>
+          <p:cNvPr id="26" name="Rectangle 25">
+            <a:extLst>
+              <a:ext uri="{FF2B5EF4-FFF2-40B4-BE49-F238E27FC236}">
+                <a16:creationId xmlns:a16="http://schemas.microsoft.com/office/drawing/2014/main" id="{3AD318CC-E2A8-4E27-9548-A047A78999B1}"/>
               </a:ext>
               <a:ext uri="{C183D7F6-B498-43B3-948B-1728B52AA6E4}">
                 <adec:decorative xmlns:adec="http://schemas.microsoft.com/office/drawing/2017/decorative" val="1"/>
@@ -5420,14 +4243,11 @@
         <p:spPr>
           <a:xfrm>
             <a:off x="0" y="0"/>
-            <a:ext cx="12192000" cy="6858000"/>
+            <a:ext cx="12191999" cy="6857365"/>
           </a:xfrm>
           <a:prstGeom prst="rect">
             <a:avLst/>
           </a:prstGeom>
-          <a:solidFill>
-            <a:schemeClr val="bg1"/>
-          </a:solidFill>
           <a:ln>
             <a:noFill/>
           </a:ln>
@@ -5453,7 +4273,7 @@
           <a:lstStyle/>
           <a:p>
             <a:pPr algn="ctr"/>
-            <a:endParaRPr lang="en-US" dirty="0"/>
+            <a:endParaRPr lang="en-US"/>
           </a:p>
         </p:txBody>
       </p:sp>
@@ -5475,8 +4295,8 @@
         </p:nvSpPr>
         <p:spPr>
           <a:xfrm>
-            <a:off x="643467" y="1698171"/>
-            <a:ext cx="3962061" cy="4516360"/>
+            <a:off x="645065" y="1463040"/>
+            <a:ext cx="3796306" cy="2690949"/>
           </a:xfrm>
         </p:spPr>
         <p:txBody>
@@ -5486,7 +4306,7 @@
           <a:lstStyle/>
           <a:p>
             <a:r>
-              <a:rPr lang="en-US" sz="3600" kern="1200">
+              <a:rPr lang="en-US" sz="4800" kern="1200">
                 <a:solidFill>
                   <a:schemeClr val="tx1"/>
                 </a:solidFill>
@@ -5499,21 +4319,21 @@
           </a:p>
         </p:txBody>
       </p:sp>
-      <p:sp>
-        <p:nvSpPr>
-          <p:cNvPr id="11" name="Rectangle 10">
-            <a:extLst>
-              <a:ext uri="{FF2B5EF4-FFF2-40B4-BE49-F238E27FC236}">
-                <a16:creationId xmlns:a16="http://schemas.microsoft.com/office/drawing/2014/main" id="{0EC5361D-F897-4856-B945-0455A365EB24}"/>
+      <p:grpSp>
+        <p:nvGrpSpPr>
+          <p:cNvPr id="28" name="Group 27">
+            <a:extLst>
+              <a:ext uri="{FF2B5EF4-FFF2-40B4-BE49-F238E27FC236}">
+                <a16:creationId xmlns:a16="http://schemas.microsoft.com/office/drawing/2014/main" id="{B14B560F-9DD7-4302-A60B-EBD3EF59B073}"/>
               </a:ext>
               <a:ext uri="{C183D7F6-B498-43B3-948B-1728B52AA6E4}">
                 <adec:decorative xmlns:adec="http://schemas.microsoft.com/office/drawing/2017/decorative" val="1"/>
               </a:ext>
             </a:extLst>
           </p:cNvPr>
-          <p:cNvSpPr>
-            <a:spLocks noGrp="1" noRot="1" noChangeAspect="1" noMove="1" noResize="1" noEditPoints="1" noAdjustHandles="1" noChangeArrowheads="1" noChangeShapeType="1" noTextEdit="1"/>
-          </p:cNvSpPr>
+          <p:cNvGrpSpPr>
+            <a:grpSpLocks noGrp="1" noUngrp="1" noRot="1" noChangeAspect="1" noMove="1" noResize="1"/>
+          </p:cNvGrpSpPr>
           <p:nvPr>
             <p:extLst>
               <p:ext uri="{386F3935-93C4-4BCD-93E2-E3B085C9AB24}">
@@ -5521,23 +4341,173 @@
               </p:ext>
             </p:extLst>
           </p:nvPr>
+        </p:nvGrpSpPr>
+        <p:grpSpPr>
+          <a:xfrm>
+            <a:off x="209667" y="4415246"/>
+            <a:ext cx="11982332" cy="2087795"/>
+            <a:chOff x="143163" y="5763486"/>
+            <a:chExt cx="11982332" cy="739555"/>
+          </a:xfrm>
+        </p:grpSpPr>
+        <p:sp>
+          <p:nvSpPr>
+            <p:cNvPr id="23" name="Rectangle 28">
+              <a:extLst>
+                <a:ext uri="{FF2B5EF4-FFF2-40B4-BE49-F238E27FC236}">
+                  <a16:creationId xmlns:a16="http://schemas.microsoft.com/office/drawing/2014/main" id="{3A9A4357-BD1D-4622-A4FE-766E6AB8DE84}"/>
+                </a:ext>
+                <a:ext uri="{C183D7F6-B498-43B3-948B-1728B52AA6E4}">
+                  <adec:decorative xmlns:adec="http://schemas.microsoft.com/office/drawing/2017/decorative" val="1"/>
+                </a:ext>
+              </a:extLst>
+            </p:cNvPr>
+            <p:cNvSpPr/>
+            <p:nvPr>
+              <p:extLst>
+                <p:ext uri="{386F3935-93C4-4BCD-93E2-E3B085C9AB24}">
+                  <p16:designElem xmlns:p16="http://schemas.microsoft.com/office/powerpoint/2015/main" val="1"/>
+                </p:ext>
+              </p:extLst>
+            </p:nvPr>
+          </p:nvSpPr>
+          <p:spPr>
+            <a:xfrm flipH="1" flipV="1">
+              <a:off x="357444" y="5763486"/>
+              <a:ext cx="11768051" cy="739555"/>
+            </a:xfrm>
+            <a:prstGeom prst="rect">
+              <a:avLst/>
+            </a:prstGeom>
+            <a:solidFill>
+              <a:schemeClr val="accent4"/>
+            </a:solidFill>
+            <a:ln>
+              <a:noFill/>
+            </a:ln>
+          </p:spPr>
+          <p:style>
+            <a:lnRef idx="2">
+              <a:schemeClr val="accent1">
+                <a:shade val="50000"/>
+              </a:schemeClr>
+            </a:lnRef>
+            <a:fillRef idx="1">
+              <a:schemeClr val="accent1"/>
+            </a:fillRef>
+            <a:effectRef idx="0">
+              <a:schemeClr val="accent1"/>
+            </a:effectRef>
+            <a:fontRef idx="minor">
+              <a:schemeClr val="lt1"/>
+            </a:fontRef>
+          </p:style>
+          <p:txBody>
+            <a:bodyPr rtlCol="0" anchor="ctr"/>
+            <a:lstStyle/>
+            <a:p>
+              <a:pPr algn="ctr"/>
+              <a:endParaRPr lang="en-US"/>
+            </a:p>
+          </p:txBody>
+        </p:sp>
+        <p:cxnSp>
+          <p:nvCxnSpPr>
+            <p:cNvPr id="30" name="Straight Connector 29">
+              <a:extLst>
+                <a:ext uri="{FF2B5EF4-FFF2-40B4-BE49-F238E27FC236}">
+                  <a16:creationId xmlns:a16="http://schemas.microsoft.com/office/drawing/2014/main" id="{C21D6966-343E-49AC-A026-D2497E0C3CA1}"/>
+                </a:ext>
+                <a:ext uri="{C183D7F6-B498-43B3-948B-1728B52AA6E4}">
+                  <adec:decorative xmlns:adec="http://schemas.microsoft.com/office/drawing/2017/decorative" val="1"/>
+                </a:ext>
+              </a:extLst>
+            </p:cNvPr>
+            <p:cNvCxnSpPr>
+              <a:cxnSpLocks/>
+            </p:cNvCxnSpPr>
+            <p:nvPr>
+              <p:extLst>
+                <p:ext uri="{386F3935-93C4-4BCD-93E2-E3B085C9AB24}">
+                  <p16:designElem xmlns:p16="http://schemas.microsoft.com/office/powerpoint/2015/main" val="1"/>
+                </p:ext>
+              </p:extLst>
+            </p:nvPr>
+          </p:nvCxnSpPr>
+          <p:spPr>
+            <a:xfrm flipH="1">
+              <a:off x="143163" y="5763486"/>
+              <a:ext cx="1" cy="739555"/>
+            </a:xfrm>
+            <a:prstGeom prst="line">
+              <a:avLst/>
+            </a:prstGeom>
+            <a:ln w="177800">
+              <a:solidFill>
+                <a:schemeClr val="accent4"/>
+              </a:solidFill>
+            </a:ln>
+          </p:spPr>
+          <p:style>
+            <a:lnRef idx="1">
+              <a:schemeClr val="accent1"/>
+            </a:lnRef>
+            <a:fillRef idx="0">
+              <a:schemeClr val="accent1"/>
+            </a:fillRef>
+            <a:effectRef idx="0">
+              <a:schemeClr val="accent1"/>
+            </a:effectRef>
+            <a:fontRef idx="minor">
+              <a:schemeClr val="tx1"/>
+            </a:fontRef>
+          </p:style>
+        </p:cxnSp>
+      </p:grpSp>
+      <p:sp>
+        <p:nvSpPr>
+          <p:cNvPr id="32" name="Rectangle 31">
+            <a:extLst>
+              <a:ext uri="{FF2B5EF4-FFF2-40B4-BE49-F238E27FC236}">
+                <a16:creationId xmlns:a16="http://schemas.microsoft.com/office/drawing/2014/main" id="{2C1BBA94-3F40-40AA-8BB9-E69E25E537C1}"/>
+              </a:ext>
+              <a:ext uri="{C183D7F6-B498-43B3-948B-1728B52AA6E4}">
+                <adec:decorative xmlns:adec="http://schemas.microsoft.com/office/drawing/2017/decorative" val="1"/>
+              </a:ext>
+            </a:extLst>
+          </p:cNvPr>
+          <p:cNvSpPr>
+            <a:spLocks noGrp="1" noRot="1" noChangeAspect="1" noMove="1" noResize="1" noEditPoints="1" noAdjustHandles="1" noChangeArrowheads="1" noChangeShapeType="1" noTextEdit="1"/>
+          </p:cNvSpPr>
+          <p:nvPr>
+            <p:extLst>
+              <p:ext uri="{386F3935-93C4-4BCD-93E2-E3B085C9AB24}">
+                <p16:designElem xmlns:p16="http://schemas.microsoft.com/office/powerpoint/2015/main" val="1"/>
+              </p:ext>
+            </p:extLst>
+          </p:nvPr>
         </p:nvSpPr>
         <p:spPr>
-          <a:xfrm rot="2700000">
-            <a:off x="415435" y="655140"/>
-            <a:ext cx="687472" cy="687472"/>
+          <a:xfrm>
+            <a:off x="5133706" y="587829"/>
+            <a:ext cx="6505300" cy="5682342"/>
           </a:xfrm>
           <a:prstGeom prst="rect">
             <a:avLst/>
           </a:prstGeom>
           <a:solidFill>
-            <a:schemeClr val="accent4">
-              <a:alpha val="30000"/>
-            </a:schemeClr>
+            <a:schemeClr val="bg1"/>
           </a:solidFill>
           <a:ln>
             <a:noFill/>
           </a:ln>
+          <a:effectLst>
+            <a:outerShdw blurRad="139700" dist="127000" dir="5400000" algn="t" rotWithShape="0">
+              <a:prstClr val="black">
+                <a:alpha val="15000"/>
+              </a:prstClr>
+            </a:outerShdw>
+          </a:effectLst>
         </p:spPr>
         <p:style>
           <a:lnRef idx="2">
@@ -5566,301 +4536,6 @@
       </p:sp>
       <p:sp>
         <p:nvSpPr>
-          <p:cNvPr id="13" name="Freeform: Shape 12">
-            <a:extLst>
-              <a:ext uri="{FF2B5EF4-FFF2-40B4-BE49-F238E27FC236}">
-                <a16:creationId xmlns:a16="http://schemas.microsoft.com/office/drawing/2014/main" id="{4508C0C5-2268-42B5-B3C8-4D0899E05F8C}"/>
-              </a:ext>
-              <a:ext uri="{C183D7F6-B498-43B3-948B-1728B52AA6E4}">
-                <adec:decorative xmlns:adec="http://schemas.microsoft.com/office/drawing/2017/decorative" val="1"/>
-              </a:ext>
-            </a:extLst>
-          </p:cNvPr>
-          <p:cNvSpPr>
-            <a:spLocks noGrp="1" noRot="1" noChangeAspect="1" noMove="1" noResize="1" noEditPoints="1" noAdjustHandles="1" noChangeArrowheads="1" noChangeShapeType="1" noTextEdit="1"/>
-          </p:cNvSpPr>
-          <p:nvPr>
-            <p:extLst>
-              <p:ext uri="{386F3935-93C4-4BCD-93E2-E3B085C9AB24}">
-                <p16:designElem xmlns:p16="http://schemas.microsoft.com/office/powerpoint/2015/main" val="1"/>
-              </p:ext>
-            </p:extLst>
-          </p:nvPr>
-        </p:nvSpPr>
-        <p:spPr>
-          <a:xfrm rot="10800000">
-            <a:off x="0" y="0"/>
-            <a:ext cx="2835357" cy="1480837"/>
-          </a:xfrm>
-          <a:custGeom>
-            <a:avLst/>
-            <a:gdLst>
-              <a:gd name="connsiteX0" fmla="*/ 2835357 w 2835357"/>
-              <a:gd name="connsiteY0" fmla="*/ 1480837 h 1480837"/>
-              <a:gd name="connsiteX1" fmla="*/ 0 w 2835357"/>
-              <a:gd name="connsiteY1" fmla="*/ 1480837 h 1480837"/>
-              <a:gd name="connsiteX2" fmla="*/ 1552727 w 2835357"/>
-              <a:gd name="connsiteY2" fmla="*/ 0 h 1480837"/>
-              <a:gd name="connsiteX3" fmla="*/ 2835357 w 2835357"/>
-              <a:gd name="connsiteY3" fmla="*/ 1223245 h 1480837"/>
-            </a:gdLst>
-            <a:ahLst/>
-            <a:cxnLst>
-              <a:cxn ang="0">
-                <a:pos x="connsiteX0" y="connsiteY0"/>
-              </a:cxn>
-              <a:cxn ang="0">
-                <a:pos x="connsiteX1" y="connsiteY1"/>
-              </a:cxn>
-              <a:cxn ang="0">
-                <a:pos x="connsiteX2" y="connsiteY2"/>
-              </a:cxn>
-              <a:cxn ang="0">
-                <a:pos x="connsiteX3" y="connsiteY3"/>
-              </a:cxn>
-            </a:cxnLst>
-            <a:rect l="l" t="t" r="r" b="b"/>
-            <a:pathLst>
-              <a:path w="2835357" h="1480837">
-                <a:moveTo>
-                  <a:pt x="2835357" y="1480837"/>
-                </a:moveTo>
-                <a:lnTo>
-                  <a:pt x="0" y="1480837"/>
-                </a:lnTo>
-                <a:lnTo>
-                  <a:pt x="1552727" y="0"/>
-                </a:lnTo>
-                <a:lnTo>
-                  <a:pt x="2835357" y="1223245"/>
-                </a:lnTo>
-                <a:close/>
-              </a:path>
-            </a:pathLst>
-          </a:custGeom>
-          <a:solidFill>
-            <a:schemeClr val="accent4">
-              <a:alpha val="30000"/>
-            </a:schemeClr>
-          </a:solidFill>
-          <a:ln>
-            <a:noFill/>
-          </a:ln>
-        </p:spPr>
-        <p:style>
-          <a:lnRef idx="2">
-            <a:schemeClr val="accent1">
-              <a:shade val="50000"/>
-            </a:schemeClr>
-          </a:lnRef>
-          <a:fillRef idx="1">
-            <a:schemeClr val="accent1"/>
-          </a:fillRef>
-          <a:effectRef idx="0">
-            <a:schemeClr val="accent1"/>
-          </a:effectRef>
-          <a:fontRef idx="minor">
-            <a:schemeClr val="lt1"/>
-          </a:fontRef>
-        </p:style>
-        <p:txBody>
-          <a:bodyPr wrap="square" rtlCol="0" anchor="ctr">
-            <a:noAutofit/>
-          </a:bodyPr>
-          <a:lstStyle/>
-          <a:p>
-            <a:pPr algn="ctr"/>
-            <a:endParaRPr lang="en-US" dirty="0"/>
-          </a:p>
-        </p:txBody>
-      </p:sp>
-      <p:sp>
-        <p:nvSpPr>
-          <p:cNvPr id="15" name="Freeform: Shape 14">
-            <a:extLst>
-              <a:ext uri="{FF2B5EF4-FFF2-40B4-BE49-F238E27FC236}">
-                <a16:creationId xmlns:a16="http://schemas.microsoft.com/office/drawing/2014/main" id="{141ACBDB-38F8-4B34-8183-BD95B4E55A62}"/>
-              </a:ext>
-              <a:ext uri="{C183D7F6-B498-43B3-948B-1728B52AA6E4}">
-                <adec:decorative xmlns:adec="http://schemas.microsoft.com/office/drawing/2017/decorative" val="1"/>
-              </a:ext>
-            </a:extLst>
-          </p:cNvPr>
-          <p:cNvSpPr>
-            <a:spLocks noGrp="1" noRot="1" noChangeAspect="1" noMove="1" noResize="1" noEditPoints="1" noAdjustHandles="1" noChangeArrowheads="1" noChangeShapeType="1" noTextEdit="1"/>
-          </p:cNvSpPr>
-          <p:nvPr>
-            <p:extLst>
-              <p:ext uri="{386F3935-93C4-4BCD-93E2-E3B085C9AB24}">
-                <p16:designElem xmlns:p16="http://schemas.microsoft.com/office/powerpoint/2015/main" val="1"/>
-              </p:ext>
-            </p:extLst>
-          </p:nvPr>
-        </p:nvSpPr>
-        <p:spPr>
-          <a:xfrm rot="2700000">
-            <a:off x="10739327" y="-253670"/>
-            <a:ext cx="1827638" cy="1376989"/>
-          </a:xfrm>
-          <a:custGeom>
-            <a:avLst/>
-            <a:gdLst>
-              <a:gd name="connsiteX0" fmla="*/ 0 w 1827638"/>
-              <a:gd name="connsiteY0" fmla="*/ 987379 h 1376989"/>
-              <a:gd name="connsiteX1" fmla="*/ 987379 w 1827638"/>
-              <a:gd name="connsiteY1" fmla="*/ 0 h 1376989"/>
-              <a:gd name="connsiteX2" fmla="*/ 1827638 w 1827638"/>
-              <a:gd name="connsiteY2" fmla="*/ 840260 h 1376989"/>
-              <a:gd name="connsiteX3" fmla="*/ 1827638 w 1827638"/>
-              <a:gd name="connsiteY3" fmla="*/ 1376989 h 1376989"/>
-              <a:gd name="connsiteX4" fmla="*/ 0 w 1827638"/>
-              <a:gd name="connsiteY4" fmla="*/ 1376989 h 1376989"/>
-            </a:gdLst>
-            <a:ahLst/>
-            <a:cxnLst>
-              <a:cxn ang="0">
-                <a:pos x="connsiteX0" y="connsiteY0"/>
-              </a:cxn>
-              <a:cxn ang="0">
-                <a:pos x="connsiteX1" y="connsiteY1"/>
-              </a:cxn>
-              <a:cxn ang="0">
-                <a:pos x="connsiteX2" y="connsiteY2"/>
-              </a:cxn>
-              <a:cxn ang="0">
-                <a:pos x="connsiteX3" y="connsiteY3"/>
-              </a:cxn>
-              <a:cxn ang="0">
-                <a:pos x="connsiteX4" y="connsiteY4"/>
-              </a:cxn>
-            </a:cxnLst>
-            <a:rect l="l" t="t" r="r" b="b"/>
-            <a:pathLst>
-              <a:path w="1827638" h="1376989">
-                <a:moveTo>
-                  <a:pt x="0" y="987379"/>
-                </a:moveTo>
-                <a:lnTo>
-                  <a:pt x="987379" y="0"/>
-                </a:lnTo>
-                <a:lnTo>
-                  <a:pt x="1827638" y="840260"/>
-                </a:lnTo>
-                <a:lnTo>
-                  <a:pt x="1827638" y="1376989"/>
-                </a:lnTo>
-                <a:lnTo>
-                  <a:pt x="0" y="1376989"/>
-                </a:lnTo>
-                <a:close/>
-              </a:path>
-            </a:pathLst>
-          </a:custGeom>
-          <a:solidFill>
-            <a:schemeClr val="accent1">
-              <a:alpha val="30000"/>
-            </a:schemeClr>
-          </a:solidFill>
-          <a:ln>
-            <a:noFill/>
-          </a:ln>
-        </p:spPr>
-        <p:style>
-          <a:lnRef idx="2">
-            <a:schemeClr val="accent1">
-              <a:shade val="50000"/>
-            </a:schemeClr>
-          </a:lnRef>
-          <a:fillRef idx="1">
-            <a:schemeClr val="accent1"/>
-          </a:fillRef>
-          <a:effectRef idx="0">
-            <a:schemeClr val="accent1"/>
-          </a:effectRef>
-          <a:fontRef idx="minor">
-            <a:schemeClr val="lt1"/>
-          </a:fontRef>
-        </p:style>
-        <p:txBody>
-          <a:bodyPr wrap="square" rtlCol="0" anchor="ctr">
-            <a:noAutofit/>
-          </a:bodyPr>
-          <a:lstStyle/>
-          <a:p>
-            <a:pPr algn="ctr"/>
-            <a:endParaRPr lang="en-US" dirty="0"/>
-          </a:p>
-        </p:txBody>
-      </p:sp>
-      <p:sp>
-        <p:nvSpPr>
-          <p:cNvPr id="17" name="Rectangle 16">
-            <a:extLst>
-              <a:ext uri="{FF2B5EF4-FFF2-40B4-BE49-F238E27FC236}">
-                <a16:creationId xmlns:a16="http://schemas.microsoft.com/office/drawing/2014/main" id="{DE00DB52-3455-4E2F-867B-A6D0516E175B}"/>
-              </a:ext>
-              <a:ext uri="{C183D7F6-B498-43B3-948B-1728B52AA6E4}">
-                <adec:decorative xmlns:adec="http://schemas.microsoft.com/office/drawing/2017/decorative" val="1"/>
-              </a:ext>
-            </a:extLst>
-          </p:cNvPr>
-          <p:cNvSpPr>
-            <a:spLocks noGrp="1" noRot="1" noChangeAspect="1" noMove="1" noResize="1" noEditPoints="1" noAdjustHandles="1" noChangeArrowheads="1" noChangeShapeType="1" noTextEdit="1"/>
-          </p:cNvSpPr>
-          <p:nvPr>
-            <p:extLst>
-              <p:ext uri="{386F3935-93C4-4BCD-93E2-E3B085C9AB24}">
-                <p16:designElem xmlns:p16="http://schemas.microsoft.com/office/powerpoint/2015/main" val="1"/>
-              </p:ext>
-            </p:extLst>
-          </p:nvPr>
-        </p:nvSpPr>
-        <p:spPr>
-          <a:xfrm rot="2700000">
-            <a:off x="10653800" y="422146"/>
-            <a:ext cx="645368" cy="645368"/>
-          </a:xfrm>
-          <a:prstGeom prst="rect">
-            <a:avLst/>
-          </a:prstGeom>
-          <a:solidFill>
-            <a:schemeClr val="accent1">
-              <a:alpha val="30000"/>
-            </a:schemeClr>
-          </a:solidFill>
-          <a:ln>
-            <a:noFill/>
-          </a:ln>
-        </p:spPr>
-        <p:style>
-          <a:lnRef idx="2">
-            <a:schemeClr val="accent1">
-              <a:shade val="50000"/>
-            </a:schemeClr>
-          </a:lnRef>
-          <a:fillRef idx="1">
-            <a:schemeClr val="accent1"/>
-          </a:fillRef>
-          <a:effectRef idx="0">
-            <a:schemeClr val="accent1"/>
-          </a:effectRef>
-          <a:fontRef idx="minor">
-            <a:schemeClr val="lt1"/>
-          </a:fontRef>
-        </p:style>
-        <p:txBody>
-          <a:bodyPr wrap="square" rtlCol="0" anchor="ctr">
-            <a:noAutofit/>
-          </a:bodyPr>
-          <a:lstStyle/>
-          <a:p>
-            <a:pPr algn="ctr"/>
-            <a:endParaRPr lang="en-US"/>
-          </a:p>
-        </p:txBody>
-      </p:sp>
-      <p:sp>
-        <p:nvSpPr>
           <p:cNvPr id="4" name="TextBox 3">
             <a:extLst>
               <a:ext uri="{FF2B5EF4-FFF2-40B4-BE49-F238E27FC236}">
@@ -5873,15 +4548,15 @@
         </p:nvSpPr>
         <p:spPr>
           <a:xfrm>
-            <a:off x="5070020" y="1698170"/>
-            <a:ext cx="6478513" cy="4516361"/>
+            <a:off x="5656218" y="1463039"/>
+            <a:ext cx="5542387" cy="4300447"/>
           </a:xfrm>
           <a:prstGeom prst="rect">
             <a:avLst/>
           </a:prstGeom>
         </p:spPr>
         <p:txBody>
-          <a:bodyPr vert="horz" lIns="91440" tIns="45720" rIns="91440" bIns="45720" rtlCol="0">
+          <a:bodyPr vert="horz" lIns="91440" tIns="45720" rIns="91440" bIns="45720" rtlCol="0" anchor="t">
             <a:normAutofit/>
           </a:bodyPr>
           <a:lstStyle/>
@@ -6021,140 +4696,6 @@
               <a:buChar char="•"/>
             </a:pPr>
             <a:endParaRPr lang="en-US" sz="2000"/>
-          </a:p>
-        </p:txBody>
-      </p:sp>
-      <p:sp>
-        <p:nvSpPr>
-          <p:cNvPr id="19" name="Isosceles Triangle 18">
-            <a:extLst>
-              <a:ext uri="{FF2B5EF4-FFF2-40B4-BE49-F238E27FC236}">
-                <a16:creationId xmlns:a16="http://schemas.microsoft.com/office/drawing/2014/main" id="{9E914C83-E0D8-4953-92D5-169D28CB43AE}"/>
-              </a:ext>
-              <a:ext uri="{C183D7F6-B498-43B3-948B-1728B52AA6E4}">
-                <adec:decorative xmlns:adec="http://schemas.microsoft.com/office/drawing/2017/decorative" val="1"/>
-              </a:ext>
-            </a:extLst>
-          </p:cNvPr>
-          <p:cNvSpPr>
-            <a:spLocks noGrp="1" noRot="1" noChangeAspect="1" noMove="1" noResize="1" noEditPoints="1" noAdjustHandles="1" noChangeArrowheads="1" noChangeShapeType="1" noTextEdit="1"/>
-          </p:cNvSpPr>
-          <p:nvPr>
-            <p:extLst>
-              <p:ext uri="{386F3935-93C4-4BCD-93E2-E3B085C9AB24}">
-                <p16:designElem xmlns:p16="http://schemas.microsoft.com/office/powerpoint/2015/main" val="1"/>
-              </p:ext>
-            </p:extLst>
-          </p:nvPr>
-        </p:nvSpPr>
-        <p:spPr>
-          <a:xfrm>
-            <a:off x="8115423" y="6115501"/>
-            <a:ext cx="1494513" cy="742499"/>
-          </a:xfrm>
-          <a:prstGeom prst="triangle">
-            <a:avLst/>
-          </a:prstGeom>
-          <a:solidFill>
-            <a:schemeClr val="accent1">
-              <a:alpha val="30000"/>
-            </a:schemeClr>
-          </a:solidFill>
-          <a:ln>
-            <a:noFill/>
-          </a:ln>
-        </p:spPr>
-        <p:style>
-          <a:lnRef idx="2">
-            <a:schemeClr val="accent1">
-              <a:shade val="50000"/>
-            </a:schemeClr>
-          </a:lnRef>
-          <a:fillRef idx="1">
-            <a:schemeClr val="accent1"/>
-          </a:fillRef>
-          <a:effectRef idx="0">
-            <a:schemeClr val="accent1"/>
-          </a:effectRef>
-          <a:fontRef idx="minor">
-            <a:schemeClr val="lt1"/>
-          </a:fontRef>
-        </p:style>
-        <p:txBody>
-          <a:bodyPr wrap="square" rtlCol="0" anchor="ctr">
-            <a:noAutofit/>
-          </a:bodyPr>
-          <a:lstStyle/>
-          <a:p>
-            <a:pPr algn="ctr"/>
-            <a:endParaRPr lang="en-US"/>
-          </a:p>
-        </p:txBody>
-      </p:sp>
-      <p:sp>
-        <p:nvSpPr>
-          <p:cNvPr id="21" name="Isosceles Triangle 20">
-            <a:extLst>
-              <a:ext uri="{FF2B5EF4-FFF2-40B4-BE49-F238E27FC236}">
-                <a16:creationId xmlns:a16="http://schemas.microsoft.com/office/drawing/2014/main" id="{3512E083-F550-46AF-8490-767ECFD00CB7}"/>
-              </a:ext>
-              <a:ext uri="{C183D7F6-B498-43B3-948B-1728B52AA6E4}">
-                <adec:decorative xmlns:adec="http://schemas.microsoft.com/office/drawing/2017/decorative" val="1"/>
-              </a:ext>
-            </a:extLst>
-          </p:cNvPr>
-          <p:cNvSpPr>
-            <a:spLocks noGrp="1" noRot="1" noChangeAspect="1" noMove="1" noResize="1" noEditPoints="1" noAdjustHandles="1" noChangeArrowheads="1" noChangeShapeType="1" noTextEdit="1"/>
-          </p:cNvSpPr>
-          <p:nvPr>
-            <p:extLst>
-              <p:ext uri="{386F3935-93C4-4BCD-93E2-E3B085C9AB24}">
-                <p16:designElem xmlns:p16="http://schemas.microsoft.com/office/powerpoint/2015/main" val="1"/>
-              </p:ext>
-            </p:extLst>
-          </p:nvPr>
-        </p:nvSpPr>
-        <p:spPr>
-          <a:xfrm>
-            <a:off x="9167297" y="6453143"/>
-            <a:ext cx="814903" cy="404857"/>
-          </a:xfrm>
-          <a:prstGeom prst="triangle">
-            <a:avLst/>
-          </a:prstGeom>
-          <a:solidFill>
-            <a:schemeClr val="accent1">
-              <a:alpha val="30000"/>
-            </a:schemeClr>
-          </a:solidFill>
-          <a:ln>
-            <a:noFill/>
-          </a:ln>
-        </p:spPr>
-        <p:style>
-          <a:lnRef idx="2">
-            <a:schemeClr val="accent1">
-              <a:shade val="50000"/>
-            </a:schemeClr>
-          </a:lnRef>
-          <a:fillRef idx="1">
-            <a:schemeClr val="accent1"/>
-          </a:fillRef>
-          <a:effectRef idx="0">
-            <a:schemeClr val="accent1"/>
-          </a:effectRef>
-          <a:fontRef idx="minor">
-            <a:schemeClr val="lt1"/>
-          </a:fontRef>
-        </p:style>
-        <p:txBody>
-          <a:bodyPr wrap="square" rtlCol="0" anchor="ctr">
-            <a:noAutofit/>
-          </a:bodyPr>
-          <a:lstStyle/>
-          <a:p>
-            <a:pPr algn="ctr"/>
-            <a:endParaRPr lang="en-US"/>
           </a:p>
         </p:txBody>
       </p:sp>

--- a/Report/VA project slides.pptx
+++ b/Report/VA project slides.pptx
@@ -269,7 +269,7 @@
           <a:p>
             <a:fld id="{325CF659-D65B-44A9-9D32-15573A6A05EB}" type="datetimeFigureOut">
               <a:rPr lang="it-IT" smtClean="0"/>
-              <a:t>06/07/2020</a:t>
+              <a:t>11/07/2020</a:t>
             </a:fld>
             <a:endParaRPr lang="it-IT"/>
           </a:p>
@@ -469,7 +469,7 @@
           <a:p>
             <a:fld id="{325CF659-D65B-44A9-9D32-15573A6A05EB}" type="datetimeFigureOut">
               <a:rPr lang="it-IT" smtClean="0"/>
-              <a:t>06/07/2020</a:t>
+              <a:t>11/07/2020</a:t>
             </a:fld>
             <a:endParaRPr lang="it-IT"/>
           </a:p>
@@ -679,7 +679,7 @@
           <a:p>
             <a:fld id="{325CF659-D65B-44A9-9D32-15573A6A05EB}" type="datetimeFigureOut">
               <a:rPr lang="it-IT" smtClean="0"/>
-              <a:t>06/07/2020</a:t>
+              <a:t>11/07/2020</a:t>
             </a:fld>
             <a:endParaRPr lang="it-IT"/>
           </a:p>
@@ -879,7 +879,7 @@
           <a:p>
             <a:fld id="{325CF659-D65B-44A9-9D32-15573A6A05EB}" type="datetimeFigureOut">
               <a:rPr lang="it-IT" smtClean="0"/>
-              <a:t>06/07/2020</a:t>
+              <a:t>11/07/2020</a:t>
             </a:fld>
             <a:endParaRPr lang="it-IT"/>
           </a:p>
@@ -1155,7 +1155,7 @@
           <a:p>
             <a:fld id="{325CF659-D65B-44A9-9D32-15573A6A05EB}" type="datetimeFigureOut">
               <a:rPr lang="it-IT" smtClean="0"/>
-              <a:t>06/07/2020</a:t>
+              <a:t>11/07/2020</a:t>
             </a:fld>
             <a:endParaRPr lang="it-IT"/>
           </a:p>
@@ -1423,7 +1423,7 @@
           <a:p>
             <a:fld id="{325CF659-D65B-44A9-9D32-15573A6A05EB}" type="datetimeFigureOut">
               <a:rPr lang="it-IT" smtClean="0"/>
-              <a:t>06/07/2020</a:t>
+              <a:t>11/07/2020</a:t>
             </a:fld>
             <a:endParaRPr lang="it-IT"/>
           </a:p>
@@ -1838,7 +1838,7 @@
           <a:p>
             <a:fld id="{325CF659-D65B-44A9-9D32-15573A6A05EB}" type="datetimeFigureOut">
               <a:rPr lang="it-IT" smtClean="0"/>
-              <a:t>06/07/2020</a:t>
+              <a:t>11/07/2020</a:t>
             </a:fld>
             <a:endParaRPr lang="it-IT"/>
           </a:p>
@@ -1980,7 +1980,7 @@
           <a:p>
             <a:fld id="{325CF659-D65B-44A9-9D32-15573A6A05EB}" type="datetimeFigureOut">
               <a:rPr lang="it-IT" smtClean="0"/>
-              <a:t>06/07/2020</a:t>
+              <a:t>11/07/2020</a:t>
             </a:fld>
             <a:endParaRPr lang="it-IT"/>
           </a:p>
@@ -2093,7 +2093,7 @@
           <a:p>
             <a:fld id="{325CF659-D65B-44A9-9D32-15573A6A05EB}" type="datetimeFigureOut">
               <a:rPr lang="it-IT" smtClean="0"/>
-              <a:t>06/07/2020</a:t>
+              <a:t>11/07/2020</a:t>
             </a:fld>
             <a:endParaRPr lang="it-IT"/>
           </a:p>
@@ -2406,7 +2406,7 @@
           <a:p>
             <a:fld id="{325CF659-D65B-44A9-9D32-15573A6A05EB}" type="datetimeFigureOut">
               <a:rPr lang="it-IT" smtClean="0"/>
-              <a:t>06/07/2020</a:t>
+              <a:t>11/07/2020</a:t>
             </a:fld>
             <a:endParaRPr lang="it-IT"/>
           </a:p>
@@ -2695,7 +2695,7 @@
           <a:p>
             <a:fld id="{325CF659-D65B-44A9-9D32-15573A6A05EB}" type="datetimeFigureOut">
               <a:rPr lang="it-IT" smtClean="0"/>
-              <a:t>06/07/2020</a:t>
+              <a:t>11/07/2020</a:t>
             </a:fld>
             <a:endParaRPr lang="it-IT"/>
           </a:p>
@@ -2938,7 +2938,7 @@
           <a:p>
             <a:fld id="{325CF659-D65B-44A9-9D32-15573A6A05EB}" type="datetimeFigureOut">
               <a:rPr lang="it-IT" smtClean="0"/>
-              <a:t>06/07/2020</a:t>
+              <a:t>11/07/2020</a:t>
             </a:fld>
             <a:endParaRPr lang="it-IT"/>
           </a:p>
@@ -4826,9 +4826,10 @@
           <a:lstStyle/>
           <a:p>
             <a:r>
-              <a:rPr lang="en-US" sz="3200" dirty="0"/>
+              <a:rPr lang="en-US" sz="3200"/>
               <a:t>The system</a:t>
             </a:r>
+            <a:endParaRPr lang="en-US" sz="3200" dirty="0"/>
           </a:p>
         </p:txBody>
       </p:sp>
@@ -5066,19 +5067,19 @@
               <a:buChar char="•"/>
             </a:pPr>
             <a:r>
-              <a:rPr lang="en-US" sz="1400" dirty="0"/>
+              <a:rPr lang="en-US" sz="1400"/>
               <a:t>T</a:t>
             </a:r>
             <a:r>
-              <a:rPr lang="en-US" sz="1400" b="0" i="0" u="none" strike="noStrike" baseline="0" dirty="0"/>
+              <a:rPr lang="en-US" sz="1400" b="0" i="0" u="none" strike="noStrike" baseline="0"/>
               <a:t>hree main visualizations plus some </a:t>
             </a:r>
             <a:r>
-              <a:rPr lang="en-US" sz="1400" dirty="0"/>
+              <a:rPr lang="en-US" sz="1400"/>
               <a:t>fil</a:t>
             </a:r>
             <a:r>
-              <a:rPr lang="en-US" sz="1400" b="0" i="0" u="none" strike="noStrike" baseline="0" dirty="0"/>
+              <a:rPr lang="en-US" sz="1400" b="0" i="0" u="none" strike="noStrike" baseline="0"/>
               <a:t>ter components.</a:t>
             </a:r>
           </a:p>
@@ -5093,7 +5094,7 @@
               <a:buFont typeface="Arial" panose="020B0604020202020204" pitchFamily="34" charset="0"/>
               <a:buChar char="•"/>
             </a:pPr>
-            <a:endParaRPr lang="en-US" sz="1400" b="0" i="0" u="none" strike="noStrike" baseline="0" dirty="0"/>
+            <a:endParaRPr lang="en-US" sz="1400" b="0" i="0" u="none" strike="noStrike" baseline="0"/>
           </a:p>
           <a:p>
             <a:pPr marL="285750" indent="-228600">
@@ -5107,23 +5108,23 @@
               <a:buChar char="•"/>
             </a:pPr>
             <a:r>
-              <a:rPr lang="en-US" sz="1400" b="0" i="0" u="none" strike="noStrike" baseline="0" dirty="0"/>
+              <a:rPr lang="en-US" sz="1400" b="0" i="0" u="none" strike="noStrike" baseline="0"/>
               <a:t>Diseases</a:t>
             </a:r>
             <a:r>
-              <a:rPr lang="en-US" sz="1400" dirty="0"/>
+              <a:rPr lang="en-US" sz="1400"/>
               <a:t> s</a:t>
             </a:r>
             <a:r>
-              <a:rPr lang="en-US" sz="1400" b="0" i="0" u="none" strike="noStrike" baseline="0" dirty="0"/>
+              <a:rPr lang="en-US" sz="1400" b="0" i="0" u="none" strike="noStrike" baseline="0"/>
               <a:t>catterplot </a:t>
             </a:r>
             <a:r>
-              <a:rPr lang="en-US" sz="1400" dirty="0"/>
+              <a:rPr lang="en-US" sz="1400"/>
               <a:t>v</a:t>
             </a:r>
             <a:r>
-              <a:rPr lang="en-US" sz="1400" b="0" i="0" u="none" strike="noStrike" baseline="0" dirty="0"/>
+              <a:rPr lang="en-US" sz="1400" b="0" i="0" u="none" strike="noStrike" baseline="0"/>
               <a:t>iew.</a:t>
             </a:r>
           </a:p>
@@ -5138,7 +5139,7 @@
               <a:buFont typeface="Arial" panose="020B0604020202020204" pitchFamily="34" charset="0"/>
               <a:buChar char="•"/>
             </a:pPr>
-            <a:endParaRPr lang="en-US" sz="1400" b="0" i="0" u="none" strike="noStrike" baseline="0" dirty="0"/>
+            <a:endParaRPr lang="en-US" sz="1400" b="0" i="0" u="none" strike="noStrike" baseline="0"/>
           </a:p>
           <a:p>
             <a:pPr marL="285750" indent="-228600">
@@ -5152,15 +5153,15 @@
               <a:buChar char="•"/>
             </a:pPr>
             <a:r>
-              <a:rPr lang="en-US" sz="1400" b="0" i="0" u="none" strike="noStrike" baseline="0" dirty="0"/>
+              <a:rPr lang="en-US" sz="1400" b="0" i="0" u="none" strike="noStrike" baseline="0"/>
               <a:t>Sidebar with </a:t>
             </a:r>
             <a:r>
-              <a:rPr lang="en-US" sz="1400" dirty="0"/>
+              <a:rPr lang="en-US" sz="1400"/>
               <a:t>fil</a:t>
             </a:r>
             <a:r>
-              <a:rPr lang="en-US" sz="1400" b="0" i="0" u="none" strike="noStrike" baseline="0" dirty="0"/>
+              <a:rPr lang="en-US" sz="1400" b="0" i="0" u="none" strike="noStrike" baseline="0"/>
               <a:t>ters (at most 5 diseases).</a:t>
             </a:r>
           </a:p>
@@ -5175,7 +5176,7 @@
               <a:buFont typeface="Arial" panose="020B0604020202020204" pitchFamily="34" charset="0"/>
               <a:buChar char="•"/>
             </a:pPr>
-            <a:endParaRPr lang="en-US" sz="1400" dirty="0"/>
+            <a:endParaRPr lang="en-US" sz="1400"/>
           </a:p>
           <a:p>
             <a:pPr marL="285750" indent="-228600">
@@ -5189,11 +5190,11 @@
               <a:buChar char="•"/>
             </a:pPr>
             <a:r>
-              <a:rPr lang="en-US" sz="1400" dirty="0"/>
+              <a:rPr lang="en-US" sz="1400"/>
               <a:t>N</a:t>
             </a:r>
             <a:r>
-              <a:rPr lang="en-US" sz="1400" b="0" i="0" u="none" strike="noStrike" baseline="0" dirty="0"/>
+              <a:rPr lang="en-US" sz="1400" b="0" i="0" u="none" strike="noStrike" baseline="0"/>
               <a:t>ode-link diagram.</a:t>
             </a:r>
           </a:p>
@@ -5208,7 +5209,7 @@
               <a:buFont typeface="Arial" panose="020B0604020202020204" pitchFamily="34" charset="0"/>
               <a:buChar char="•"/>
             </a:pPr>
-            <a:endParaRPr lang="en-US" sz="1400" dirty="0"/>
+            <a:endParaRPr lang="en-US" sz="1400"/>
           </a:p>
           <a:p>
             <a:pPr marL="285750" indent="-228600">
@@ -5222,12 +5223,8 @@
               <a:buChar char="•"/>
             </a:pPr>
             <a:r>
-              <a:rPr lang="en-US" sz="1400" b="0" i="0" u="none" strike="noStrike" baseline="0" dirty="0" err="1"/>
-              <a:t>Barplot</a:t>
-            </a:r>
-            <a:r>
-              <a:rPr lang="en-US" sz="1400" b="0" i="0" u="none" strike="noStrike" baseline="0" dirty="0"/>
-              <a:t> of top 5 centrality genes.</a:t>
+              <a:rPr lang="en-US" sz="1400" b="0" i="0" u="none" strike="noStrike" baseline="0"/>
+              <a:t>Barplot of top 5 centrality genes.</a:t>
             </a:r>
             <a:endParaRPr lang="en-US" sz="1400" dirty="0"/>
           </a:p>
@@ -5235,10 +5232,10 @@
       </p:sp>
       <p:pic>
         <p:nvPicPr>
-          <p:cNvPr id="27" name="Picture 26">
-            <a:extLst>
-              <a:ext uri="{FF2B5EF4-FFF2-40B4-BE49-F238E27FC236}">
-                <a16:creationId xmlns:a16="http://schemas.microsoft.com/office/drawing/2014/main" id="{6A291D72-0509-4CEB-B7E3-1CC5360560E2}"/>
+          <p:cNvPr id="4" name="Picture 3">
+            <a:extLst>
+              <a:ext uri="{FF2B5EF4-FFF2-40B4-BE49-F238E27FC236}">
+                <a16:creationId xmlns:a16="http://schemas.microsoft.com/office/drawing/2014/main" id="{A75C6F64-D537-4338-AED4-EFC5FC230FF4}"/>
               </a:ext>
             </a:extLst>
           </p:cNvPr>
@@ -5255,8 +5252,8 @@
         </p:blipFill>
         <p:spPr>
           <a:xfrm>
-            <a:off x="1782765" y="107278"/>
-            <a:ext cx="8626469" cy="3959587"/>
+            <a:off x="1369052" y="-84953"/>
+            <a:ext cx="9842899" cy="4511328"/>
           </a:xfrm>
           <a:prstGeom prst="rect">
             <a:avLst/>
@@ -5445,7 +5442,7 @@
         </p:nvSpPr>
         <p:spPr>
           <a:xfrm>
-            <a:off x="581646" y="349664"/>
+            <a:off x="581646" y="307461"/>
             <a:ext cx="5845571" cy="1638377"/>
           </a:xfrm>
         </p:spPr>
@@ -5483,8 +5480,8 @@
         </p:nvSpPr>
         <p:spPr>
           <a:xfrm>
-            <a:off x="587988" y="2620641"/>
-            <a:ext cx="5837750" cy="3023702"/>
+            <a:off x="589467" y="2128997"/>
+            <a:ext cx="6420054" cy="3816958"/>
           </a:xfrm>
           <a:prstGeom prst="rect">
             <a:avLst/>
@@ -5579,6 +5576,35 @@
             <a:r>
               <a:rPr lang="en-US" sz="1600" b="0" i="0" u="none" strike="noStrike" baseline="0" dirty="0"/>
               <a:t>oomable view to distinguish near points. </a:t>
+            </a:r>
+          </a:p>
+          <a:p>
+            <a:pPr marL="285750" indent="-228600">
+              <a:lnSpc>
+                <a:spcPct val="90000"/>
+              </a:lnSpc>
+              <a:spcAft>
+                <a:spcPts val="600"/>
+              </a:spcAft>
+              <a:buFont typeface="Arial" panose="020B0604020202020204" pitchFamily="34" charset="0"/>
+              <a:buChar char="•"/>
+            </a:pPr>
+            <a:endParaRPr lang="en-US" sz="1600" b="0" i="0" u="none" strike="noStrike" baseline="0" dirty="0"/>
+          </a:p>
+          <a:p>
+            <a:pPr marL="285750" indent="-228600">
+              <a:lnSpc>
+                <a:spcPct val="90000"/>
+              </a:lnSpc>
+              <a:spcAft>
+                <a:spcPts val="600"/>
+              </a:spcAft>
+              <a:buFont typeface="Arial" panose="020B0604020202020204" pitchFamily="34" charset="0"/>
+              <a:buChar char="•"/>
+            </a:pPr>
+            <a:r>
+              <a:rPr lang="en-US" sz="1600" b="0" i="0" u="none" strike="noStrike" baseline="0" dirty="0"/>
+              <a:t>Brush selector for multiple choices</a:t>
             </a:r>
           </a:p>
           <a:p>
@@ -5897,8 +5923,8 @@
         </p:blipFill>
         <p:spPr>
           <a:xfrm>
-            <a:off x="4477443" y="4465257"/>
-            <a:ext cx="1562100" cy="285750"/>
+            <a:off x="4581964" y="4793211"/>
+            <a:ext cx="1946620" cy="356089"/>
           </a:xfrm>
           <a:prstGeom prst="rect">
             <a:avLst/>
@@ -6803,36 +6829,6 @@
           </a:p>
         </p:txBody>
       </p:sp>
-      <p:pic>
-        <p:nvPicPr>
-          <p:cNvPr id="4" name="Picture 3">
-            <a:extLst>
-              <a:ext uri="{FF2B5EF4-FFF2-40B4-BE49-F238E27FC236}">
-                <a16:creationId xmlns:a16="http://schemas.microsoft.com/office/drawing/2014/main" id="{F98E409C-06A3-4E38-BC0E-DC78B6704F76}"/>
-              </a:ext>
-            </a:extLst>
-          </p:cNvPr>
-          <p:cNvPicPr>
-            <a:picLocks noChangeAspect="1"/>
-          </p:cNvPicPr>
-          <p:nvPr/>
-        </p:nvPicPr>
-        <p:blipFill>
-          <a:blip r:embed="rId2"/>
-          <a:stretch>
-            <a:fillRect/>
-          </a:stretch>
-        </p:blipFill>
-        <p:spPr>
-          <a:xfrm>
-            <a:off x="7421373" y="1663378"/>
-            <a:ext cx="4235516" cy="3282524"/>
-          </a:xfrm>
-          <a:prstGeom prst="rect">
-            <a:avLst/>
-          </a:prstGeom>
-        </p:spPr>
-      </p:pic>
       <p:sp>
         <p:nvSpPr>
           <p:cNvPr id="17" name="Rectangle 16">
@@ -6896,6 +6892,36 @@
           </a:p>
         </p:txBody>
       </p:sp>
+      <p:pic>
+        <p:nvPicPr>
+          <p:cNvPr id="6" name="Picture 5">
+            <a:extLst>
+              <a:ext uri="{FF2B5EF4-FFF2-40B4-BE49-F238E27FC236}">
+                <a16:creationId xmlns:a16="http://schemas.microsoft.com/office/drawing/2014/main" id="{59319E5E-50F0-4816-853D-F5B09BFB3A49}"/>
+              </a:ext>
+            </a:extLst>
+          </p:cNvPr>
+          <p:cNvPicPr>
+            <a:picLocks noChangeAspect="1"/>
+          </p:cNvPicPr>
+          <p:nvPr/>
+        </p:nvPicPr>
+        <p:blipFill>
+          <a:blip r:embed="rId2"/>
+          <a:stretch>
+            <a:fillRect/>
+          </a:stretch>
+        </p:blipFill>
+        <p:spPr>
+          <a:xfrm>
+            <a:off x="7372296" y="1831318"/>
+            <a:ext cx="4490519" cy="2670772"/>
+          </a:xfrm>
+          <a:prstGeom prst="rect">
+            <a:avLst/>
+          </a:prstGeom>
+        </p:spPr>
+      </p:pic>
     </p:spTree>
     <p:extLst>
       <p:ext uri="{BB962C8B-B14F-4D97-AF65-F5344CB8AC3E}">
@@ -7402,10 +7428,10 @@
       </p:sp>
       <p:pic>
         <p:nvPicPr>
-          <p:cNvPr id="16" name="Picture 15">
-            <a:extLst>
-              <a:ext uri="{FF2B5EF4-FFF2-40B4-BE49-F238E27FC236}">
-                <a16:creationId xmlns:a16="http://schemas.microsoft.com/office/drawing/2014/main" id="{D4CD8922-4A66-4E85-9D1C-B342F88C8965}"/>
+          <p:cNvPr id="4" name="Picture 3">
+            <a:extLst>
+              <a:ext uri="{FF2B5EF4-FFF2-40B4-BE49-F238E27FC236}">
+                <a16:creationId xmlns:a16="http://schemas.microsoft.com/office/drawing/2014/main" id="{49A71666-B811-4E5C-BEEC-54EDBB08EEDD}"/>
               </a:ext>
             </a:extLst>
           </p:cNvPr>
@@ -7422,8 +7448,8 @@
         </p:blipFill>
         <p:spPr>
           <a:xfrm>
-            <a:off x="5984947" y="525982"/>
-            <a:ext cx="5891928" cy="5234107"/>
+            <a:off x="5284958" y="983178"/>
+            <a:ext cx="6461566" cy="4511328"/>
           </a:xfrm>
           <a:prstGeom prst="rect">
             <a:avLst/>
